--- a/db/数据表.pptx
+++ b/db/数据表.pptx
@@ -5,11 +5,13 @@
     <p:sldMasterId id="2147483648" r:id="rId1"/>
   </p:sldMasterIdLst>
   <p:notesMasterIdLst>
-    <p:notesMasterId r:id="rId4"/>
+    <p:notesMasterId r:id="rId6"/>
   </p:notesMasterIdLst>
   <p:sldIdLst>
     <p:sldId id="256" r:id="rId2"/>
-    <p:sldId id="257" r:id="rId3"/>
+    <p:sldId id="259" r:id="rId3"/>
+    <p:sldId id="257" r:id="rId4"/>
+    <p:sldId id="258" r:id="rId5"/>
   </p:sldIdLst>
   <p:sldSz cx="12192000" cy="6858000"/>
   <p:notesSz cx="6858000" cy="9144000"/>
@@ -108,6 +110,11 @@
       </a:defRPr>
     </a:lvl9pPr>
   </p:defaultTextStyle>
+  <p:extLst>
+    <p:ext uri="{EFAFB233-063F-42B5-8137-9DF3F51BA10A}">
+      <p15:sldGuideLst xmlns:p15="http://schemas.microsoft.com/office/powerpoint/2012/main"/>
+    </p:ext>
+  </p:extLst>
 </p:presentation>
 </file>
 
@@ -3327,14 +3334,14 @@
           <p:nvPr>
             <p:extLst>
               <p:ext uri="{D42A27DB-BD31-4B8C-83A1-F6EECF244321}">
-                <p14:modId xmlns:p14="http://schemas.microsoft.com/office/powerpoint/2010/main" val="831906893"/>
+                <p14:modId xmlns:p14="http://schemas.microsoft.com/office/powerpoint/2010/main" val="1086950705"/>
               </p:ext>
             </p:extLst>
           </p:nvPr>
         </p:nvGraphicFramePr>
         <p:xfrm>
           <a:off x="2119683" y="1265129"/>
-          <a:ext cx="8125218" cy="4577080"/>
+          <a:ext cx="8125218" cy="4206240"/>
         </p:xfrm>
         <a:graphic>
           <a:graphicData uri="http://schemas.openxmlformats.org/drawingml/2006/table">
@@ -4313,114 +4320,6 @@
                       </a:pPr>
                       <a:r>
                         <a:rPr lang="en-US" sz="1800" b="0" dirty="0" err="1" smtClean="0"/>
-                        <a:t>content_id</a:t>
-                      </a:r>
-                      <a:endParaRPr lang="en-US" sz="1800" b="0" dirty="0" smtClean="0"/>
-                    </a:p>
-                  </a:txBody>
-                  <a:tcPr/>
-                </a:tc>
-                <a:tc>
-                  <a:txBody>
-                    <a:bodyPr/>
-                    <a:lstStyle/>
-                    <a:p>
-                      <a:pPr algn="ctr"/>
-                      <a:r>
-                        <a:rPr lang="en-US" dirty="0" err="1" smtClean="0"/>
-                        <a:t>int</a:t>
-                      </a:r>
-                      <a:endParaRPr lang="en-US" dirty="0"/>
-                    </a:p>
-                  </a:txBody>
-                  <a:tcPr/>
-                </a:tc>
-                <a:tc>
-                  <a:txBody>
-                    <a:bodyPr/>
-                    <a:lstStyle/>
-                    <a:p>
-                      <a:pPr algn="ctr"/>
-                      <a:r>
-                        <a:rPr lang="en-US" dirty="0" smtClean="0"/>
-                        <a:t>8</a:t>
-                      </a:r>
-                      <a:endParaRPr lang="en-US" dirty="0"/>
-                    </a:p>
-                  </a:txBody>
-                  <a:tcPr/>
-                </a:tc>
-                <a:tc>
-                  <a:txBody>
-                    <a:bodyPr/>
-                    <a:lstStyle/>
-                    <a:p>
-                      <a:pPr algn="ctr"/>
-                      <a:endParaRPr lang="en-US" dirty="0"/>
-                    </a:p>
-                  </a:txBody>
-                  <a:tcPr/>
-                </a:tc>
-                <a:tc>
-                  <a:txBody>
-                    <a:bodyPr/>
-                    <a:lstStyle/>
-                    <a:p>
-                      <a:pPr algn="ctr"/>
-                      <a:r>
-                        <a:rPr lang="en-US" dirty="0" smtClean="0"/>
-                        <a:t>N</a:t>
-                      </a:r>
-                      <a:endParaRPr lang="en-US" dirty="0"/>
-                    </a:p>
-                  </a:txBody>
-                  <a:tcPr/>
-                </a:tc>
-                <a:tc>
-                  <a:txBody>
-                    <a:bodyPr/>
-                    <a:lstStyle/>
-                    <a:p>
-                      <a:pPr algn="ctr"/>
-                      <a:r>
-                        <a:rPr lang="zh-CN" altLang="en-US" dirty="0" smtClean="0"/>
-                        <a:t>信息</a:t>
-                      </a:r>
-                      <a:r>
-                        <a:rPr lang="en-US" altLang="zh-CN" dirty="0" smtClean="0"/>
-                        <a:t>id</a:t>
-                      </a:r>
-                      <a:endParaRPr lang="en-US" dirty="0"/>
-                    </a:p>
-                  </a:txBody>
-                  <a:tcPr/>
-                </a:tc>
-              </a:tr>
-              <a:tr h="370840">
-                <a:tc>
-                  <a:txBody>
-                    <a:bodyPr/>
-                    <a:lstStyle/>
-                    <a:p>
-                      <a:pPr marL="0" marR="0" indent="0" algn="ctr" defTabSz="914400" rtl="0" eaLnBrk="1" fontAlgn="auto" latinLnBrk="0" hangingPunct="1">
-                        <a:lnSpc>
-                          <a:spcPct val="100000"/>
-                        </a:lnSpc>
-                        <a:spcBef>
-                          <a:spcPts val="0"/>
-                        </a:spcBef>
-                        <a:spcAft>
-                          <a:spcPts val="0"/>
-                        </a:spcAft>
-                        <a:buClrTx/>
-                        <a:buSzTx/>
-                        <a:buFontTx/>
-                        <a:buNone/>
-                        <a:tabLst/>
-                        <a:defRPr/>
-                      </a:pPr>
-                      <a:r>
-                        <a:rPr lang="en-US" sz="1800" b="0" dirty="0" err="1" smtClean="0"/>
                         <a:t>regtime</a:t>
                       </a:r>
                       <a:endParaRPr lang="en-US" sz="1800" b="0" dirty="0" smtClean="0"/>
@@ -4484,7 +4383,7 @@
                       <a:pPr algn="ctr"/>
                       <a:r>
                         <a:rPr lang="zh-CN" altLang="en-US" dirty="0" smtClean="0"/>
-                        <a:t>当前时间</a:t>
+                        <a:t>注册时间</a:t>
                       </a:r>
                       <a:endParaRPr lang="en-US" dirty="0"/>
                     </a:p>
@@ -4535,7 +4434,440 @@
           <p:nvPr>
             <p:extLst>
               <p:ext uri="{D42A27DB-BD31-4B8C-83A1-F6EECF244321}">
-                <p14:modId xmlns:p14="http://schemas.microsoft.com/office/powerpoint/2010/main" val="1255037561"/>
+                <p14:modId xmlns:p14="http://schemas.microsoft.com/office/powerpoint/2010/main" val="2132469137"/>
+              </p:ext>
+            </p:extLst>
+          </p:nvPr>
+        </p:nvGraphicFramePr>
+        <p:xfrm>
+          <a:off x="1881688" y="1703540"/>
+          <a:ext cx="8125218" cy="1610360"/>
+        </p:xfrm>
+        <a:graphic>
+          <a:graphicData uri="http://schemas.openxmlformats.org/drawingml/2006/table">
+            <a:tbl>
+              <a:tblPr firstRow="1" bandRow="1">
+                <a:tableStyleId>{5C22544A-7EE6-4342-B048-85BDC9FD1C3A}</a:tableStyleId>
+              </a:tblPr>
+              <a:tblGrid>
+                <a:gridCol w="1354203"/>
+                <a:gridCol w="1354203"/>
+                <a:gridCol w="1354203"/>
+                <a:gridCol w="1354203"/>
+                <a:gridCol w="1354203"/>
+                <a:gridCol w="1354203"/>
+              </a:tblGrid>
+              <a:tr h="312292">
+                <a:tc gridSpan="6">
+                  <a:txBody>
+                    <a:bodyPr/>
+                    <a:lstStyle/>
+                    <a:p>
+                      <a:pPr algn="ctr"/>
+                      <a:r>
+                        <a:rPr lang="zh-CN" altLang="en-US" sz="2500" dirty="0" smtClean="0"/>
+                        <a:t>推送范围表</a:t>
+                      </a:r>
+                      <a:endParaRPr lang="en-US" sz="2500" dirty="0"/>
+                    </a:p>
+                  </a:txBody>
+                  <a:tcPr/>
+                </a:tc>
+                <a:tc hMerge="1">
+                  <a:txBody>
+                    <a:bodyPr/>
+                    <a:lstStyle/>
+                    <a:p>
+                      <a:pPr algn="ctr"/>
+                      <a:endParaRPr lang="en-US" dirty="0"/>
+                    </a:p>
+                  </a:txBody>
+                  <a:tcPr/>
+                </a:tc>
+                <a:tc hMerge="1">
+                  <a:txBody>
+                    <a:bodyPr/>
+                    <a:lstStyle/>
+                    <a:p>
+                      <a:pPr algn="ctr"/>
+                      <a:endParaRPr lang="en-US" dirty="0"/>
+                    </a:p>
+                  </a:txBody>
+                  <a:tcPr/>
+                </a:tc>
+                <a:tc hMerge="1">
+                  <a:txBody>
+                    <a:bodyPr/>
+                    <a:lstStyle/>
+                    <a:p>
+                      <a:pPr algn="ctr"/>
+                      <a:endParaRPr lang="en-US" dirty="0"/>
+                    </a:p>
+                  </a:txBody>
+                  <a:tcPr/>
+                </a:tc>
+                <a:tc hMerge="1">
+                  <a:txBody>
+                    <a:bodyPr/>
+                    <a:lstStyle/>
+                    <a:p>
+                      <a:endParaRPr lang="en-US"/>
+                    </a:p>
+                  </a:txBody>
+                  <a:tcPr/>
+                </a:tc>
+                <a:tc hMerge="1">
+                  <a:txBody>
+                    <a:bodyPr/>
+                    <a:lstStyle/>
+                    <a:p>
+                      <a:pPr algn="ctr"/>
+                      <a:endParaRPr lang="en-US" dirty="0"/>
+                    </a:p>
+                  </a:txBody>
+                  <a:tcPr/>
+                </a:tc>
+              </a:tr>
+              <a:tr h="312292">
+                <a:tc>
+                  <a:txBody>
+                    <a:bodyPr/>
+                    <a:lstStyle/>
+                    <a:p>
+                      <a:pPr algn="ctr"/>
+                      <a:r>
+                        <a:rPr lang="zh-CN" altLang="en-US" sz="2000" b="1" dirty="0" smtClean="0"/>
+                        <a:t>字段</a:t>
+                      </a:r>
+                      <a:endParaRPr lang="en-US" sz="2000" b="1" dirty="0"/>
+                    </a:p>
+                  </a:txBody>
+                  <a:tcPr/>
+                </a:tc>
+                <a:tc>
+                  <a:txBody>
+                    <a:bodyPr/>
+                    <a:lstStyle/>
+                    <a:p>
+                      <a:pPr algn="ctr"/>
+                      <a:r>
+                        <a:rPr lang="zh-CN" altLang="en-US" sz="2000" b="1" dirty="0" smtClean="0"/>
+                        <a:t>类型</a:t>
+                      </a:r>
+                      <a:endParaRPr lang="en-US" sz="2000" b="1" dirty="0"/>
+                    </a:p>
+                  </a:txBody>
+                  <a:tcPr/>
+                </a:tc>
+                <a:tc>
+                  <a:txBody>
+                    <a:bodyPr/>
+                    <a:lstStyle/>
+                    <a:p>
+                      <a:pPr algn="ctr"/>
+                      <a:r>
+                        <a:rPr lang="zh-CN" altLang="en-US" sz="2000" b="1" dirty="0" smtClean="0"/>
+                        <a:t>长度</a:t>
+                      </a:r>
+                      <a:endParaRPr lang="en-US" sz="2000" b="1" dirty="0"/>
+                    </a:p>
+                  </a:txBody>
+                  <a:tcPr/>
+                </a:tc>
+                <a:tc>
+                  <a:txBody>
+                    <a:bodyPr/>
+                    <a:lstStyle/>
+                    <a:p>
+                      <a:pPr algn="ctr"/>
+                      <a:r>
+                        <a:rPr lang="zh-CN" altLang="en-US" sz="2000" b="1" dirty="0" smtClean="0"/>
+                        <a:t>主键</a:t>
+                      </a:r>
+                      <a:endParaRPr lang="en-US" sz="2000" b="1" dirty="0"/>
+                    </a:p>
+                  </a:txBody>
+                  <a:tcPr/>
+                </a:tc>
+                <a:tc>
+                  <a:txBody>
+                    <a:bodyPr/>
+                    <a:lstStyle/>
+                    <a:p>
+                      <a:pPr algn="ctr"/>
+                      <a:r>
+                        <a:rPr lang="zh-CN" altLang="en-US" sz="2000" b="1" dirty="0" smtClean="0"/>
+                        <a:t>允许</a:t>
+                      </a:r>
+                      <a:r>
+                        <a:rPr lang="en-US" altLang="zh-CN" sz="2000" b="1" dirty="0" smtClean="0"/>
+                        <a:t>NULL</a:t>
+                      </a:r>
+                      <a:endParaRPr lang="en-US" sz="2000" b="1" dirty="0"/>
+                    </a:p>
+                  </a:txBody>
+                  <a:tcPr/>
+                </a:tc>
+                <a:tc>
+                  <a:txBody>
+                    <a:bodyPr/>
+                    <a:lstStyle/>
+                    <a:p>
+                      <a:pPr algn="ctr"/>
+                      <a:r>
+                        <a:rPr lang="zh-CN" altLang="en-US" sz="2000" b="1" dirty="0" smtClean="0"/>
+                        <a:t>说明</a:t>
+                      </a:r>
+                      <a:endParaRPr lang="en-US" sz="2000" b="1" dirty="0"/>
+                    </a:p>
+                  </a:txBody>
+                  <a:tcPr/>
+                </a:tc>
+              </a:tr>
+              <a:tr h="370840">
+                <a:tc>
+                  <a:txBody>
+                    <a:bodyPr/>
+                    <a:lstStyle/>
+                    <a:p>
+                      <a:pPr algn="ctr"/>
+                      <a:r>
+                        <a:rPr lang="en-US" altLang="zh-CN" dirty="0" err="1" smtClean="0"/>
+                        <a:t>student_id</a:t>
+                      </a:r>
+                      <a:endParaRPr lang="en-US" dirty="0"/>
+                    </a:p>
+                  </a:txBody>
+                  <a:tcPr/>
+                </a:tc>
+                <a:tc>
+                  <a:txBody>
+                    <a:bodyPr/>
+                    <a:lstStyle/>
+                    <a:p>
+                      <a:pPr algn="ctr"/>
+                      <a:r>
+                        <a:rPr lang="en-US" dirty="0" err="1" smtClean="0"/>
+                        <a:t>int</a:t>
+                      </a:r>
+                      <a:endParaRPr lang="en-US" dirty="0"/>
+                    </a:p>
+                  </a:txBody>
+                  <a:tcPr/>
+                </a:tc>
+                <a:tc>
+                  <a:txBody>
+                    <a:bodyPr/>
+                    <a:lstStyle/>
+                    <a:p>
+                      <a:pPr algn="ctr"/>
+                      <a:r>
+                        <a:rPr lang="en-US" dirty="0" smtClean="0"/>
+                        <a:t>8</a:t>
+                      </a:r>
+                      <a:endParaRPr lang="en-US" dirty="0"/>
+                    </a:p>
+                  </a:txBody>
+                  <a:tcPr/>
+                </a:tc>
+                <a:tc>
+                  <a:txBody>
+                    <a:bodyPr/>
+                    <a:lstStyle/>
+                    <a:p>
+                      <a:pPr marL="0" marR="0" indent="0" algn="ctr" defTabSz="914400" rtl="0" eaLnBrk="1" fontAlgn="auto" latinLnBrk="0" hangingPunct="1">
+                        <a:lnSpc>
+                          <a:spcPct val="100000"/>
+                        </a:lnSpc>
+                        <a:spcBef>
+                          <a:spcPts val="0"/>
+                        </a:spcBef>
+                        <a:spcAft>
+                          <a:spcPts val="0"/>
+                        </a:spcAft>
+                        <a:buClrTx/>
+                        <a:buSzTx/>
+                        <a:buFontTx/>
+                        <a:buNone/>
+                        <a:tabLst/>
+                        <a:defRPr/>
+                      </a:pPr>
+                      <a:endParaRPr lang="en-US" dirty="0" smtClean="0"/>
+                    </a:p>
+                  </a:txBody>
+                  <a:tcPr/>
+                </a:tc>
+                <a:tc>
+                  <a:txBody>
+                    <a:bodyPr/>
+                    <a:lstStyle/>
+                    <a:p>
+                      <a:pPr algn="ctr"/>
+                      <a:r>
+                        <a:rPr lang="en-US" dirty="0" smtClean="0"/>
+                        <a:t>N</a:t>
+                      </a:r>
+                      <a:endParaRPr lang="en-US" dirty="0"/>
+                    </a:p>
+                  </a:txBody>
+                  <a:tcPr/>
+                </a:tc>
+                <a:tc>
+                  <a:txBody>
+                    <a:bodyPr/>
+                    <a:lstStyle/>
+                    <a:p>
+                      <a:pPr algn="ctr"/>
+                      <a:r>
+                        <a:rPr lang="zh-CN" altLang="en-US" dirty="0" smtClean="0"/>
+                        <a:t>学生</a:t>
+                      </a:r>
+                      <a:r>
+                        <a:rPr lang="en-US" altLang="zh-CN" dirty="0" smtClean="0"/>
+                        <a:t>id</a:t>
+                      </a:r>
+                      <a:endParaRPr lang="en-US" dirty="0"/>
+                    </a:p>
+                  </a:txBody>
+                  <a:tcPr/>
+                </a:tc>
+              </a:tr>
+              <a:tr h="370840">
+                <a:tc>
+                  <a:txBody>
+                    <a:bodyPr/>
+                    <a:lstStyle/>
+                    <a:p>
+                      <a:pPr algn="ctr"/>
+                      <a:r>
+                        <a:rPr lang="en-US" altLang="zh-CN" dirty="0" err="1" smtClean="0"/>
+                        <a:t>content_id</a:t>
+                      </a:r>
+                      <a:endParaRPr lang="en-US" dirty="0"/>
+                    </a:p>
+                  </a:txBody>
+                  <a:tcPr/>
+                </a:tc>
+                <a:tc>
+                  <a:txBody>
+                    <a:bodyPr/>
+                    <a:lstStyle/>
+                    <a:p>
+                      <a:pPr algn="ctr"/>
+                      <a:r>
+                        <a:rPr lang="en-US" dirty="0" err="1" smtClean="0"/>
+                        <a:t>int</a:t>
+                      </a:r>
+                      <a:endParaRPr lang="en-US" dirty="0"/>
+                    </a:p>
+                  </a:txBody>
+                  <a:tcPr/>
+                </a:tc>
+                <a:tc>
+                  <a:txBody>
+                    <a:bodyPr/>
+                    <a:lstStyle/>
+                    <a:p>
+                      <a:pPr algn="ctr"/>
+                      <a:r>
+                        <a:rPr lang="en-US" dirty="0" smtClean="0"/>
+                        <a:t>8</a:t>
+                      </a:r>
+                      <a:endParaRPr lang="en-US" dirty="0"/>
+                    </a:p>
+                  </a:txBody>
+                  <a:tcPr/>
+                </a:tc>
+                <a:tc>
+                  <a:txBody>
+                    <a:bodyPr/>
+                    <a:lstStyle/>
+                    <a:p>
+                      <a:pPr algn="ctr"/>
+                      <a:endParaRPr lang="en-US" dirty="0"/>
+                    </a:p>
+                  </a:txBody>
+                  <a:tcPr/>
+                </a:tc>
+                <a:tc>
+                  <a:txBody>
+                    <a:bodyPr/>
+                    <a:lstStyle/>
+                    <a:p>
+                      <a:pPr algn="ctr"/>
+                      <a:r>
+                        <a:rPr lang="en-US" dirty="0" smtClean="0"/>
+                        <a:t>N</a:t>
+                      </a:r>
+                      <a:endParaRPr lang="en-US" dirty="0"/>
+                    </a:p>
+                  </a:txBody>
+                  <a:tcPr/>
+                </a:tc>
+                <a:tc>
+                  <a:txBody>
+                    <a:bodyPr/>
+                    <a:lstStyle/>
+                    <a:p>
+                      <a:pPr algn="ctr"/>
+                      <a:r>
+                        <a:rPr lang="zh-CN" altLang="en-US" dirty="0" smtClean="0"/>
+                        <a:t>信息</a:t>
+                      </a:r>
+                      <a:r>
+                        <a:rPr lang="en-US" altLang="zh-CN" dirty="0" smtClean="0"/>
+                        <a:t>id</a:t>
+                      </a:r>
+                      <a:endParaRPr lang="en-US" dirty="0"/>
+                    </a:p>
+                  </a:txBody>
+                  <a:tcPr/>
+                </a:tc>
+              </a:tr>
+            </a:tbl>
+          </a:graphicData>
+        </a:graphic>
+      </p:graphicFrame>
+    </p:spTree>
+    <p:extLst>
+      <p:ext uri="{BB962C8B-B14F-4D97-AF65-F5344CB8AC3E}">
+        <p14:creationId xmlns:p14="http://schemas.microsoft.com/office/powerpoint/2010/main" val="1143118532"/>
+      </p:ext>
+    </p:extLst>
+  </p:cSld>
+  <p:clrMapOvr>
+    <a:masterClrMapping/>
+  </p:clrMapOvr>
+</p:sld>
+</file>
+
+<file path=ppt/slides/slide3.xml><?xml version="1.0" encoding="utf-8"?>
+<p:sld xmlns:a="http://schemas.openxmlformats.org/drawingml/2006/main" xmlns:r="http://schemas.openxmlformats.org/officeDocument/2006/relationships" xmlns:p="http://schemas.openxmlformats.org/presentationml/2006/main">
+  <p:cSld>
+    <p:spTree>
+      <p:nvGrpSpPr>
+        <p:cNvPr id="1" name=""/>
+        <p:cNvGrpSpPr/>
+        <p:nvPr/>
+      </p:nvGrpSpPr>
+      <p:grpSpPr>
+        <a:xfrm>
+          <a:off x="0" y="0"/>
+          <a:ext cx="0" cy="0"/>
+          <a:chOff x="0" y="0"/>
+          <a:chExt cx="0" cy="0"/>
+        </a:xfrm>
+      </p:grpSpPr>
+      <p:graphicFrame>
+        <p:nvGraphicFramePr>
+          <p:cNvPr id="4" name="Table 3"/>
+          <p:cNvGraphicFramePr>
+            <a:graphicFrameLocks noGrp="1"/>
+          </p:cNvGraphicFramePr>
+          <p:nvPr>
+            <p:extLst>
+              <p:ext uri="{D42A27DB-BD31-4B8C-83A1-F6EECF244321}">
+                <p14:modId xmlns:p14="http://schemas.microsoft.com/office/powerpoint/2010/main" val="657258222"/>
               </p:ext>
             </p:extLst>
           </p:nvPr>
@@ -4567,7 +4899,7 @@
                       <a:pPr algn="ctr"/>
                       <a:r>
                         <a:rPr lang="zh-CN" altLang="en-US" sz="2500" dirty="0" smtClean="0"/>
-                        <a:t>推送信息</a:t>
+                        <a:t>推送的信息</a:t>
                       </a:r>
                       <a:endParaRPr lang="en-US" sz="2500" dirty="0"/>
                     </a:p>
@@ -5029,6 +5361,539 @@
     <p:extLst>
       <p:ext uri="{BB962C8B-B14F-4D97-AF65-F5344CB8AC3E}">
         <p14:creationId xmlns:p14="http://schemas.microsoft.com/office/powerpoint/2010/main" val="1784861349"/>
+      </p:ext>
+    </p:extLst>
+  </p:cSld>
+  <p:clrMapOvr>
+    <a:masterClrMapping/>
+  </p:clrMapOvr>
+</p:sld>
+</file>
+
+<file path=ppt/slides/slide4.xml><?xml version="1.0" encoding="utf-8"?>
+<p:sld xmlns:a="http://schemas.openxmlformats.org/drawingml/2006/main" xmlns:r="http://schemas.openxmlformats.org/officeDocument/2006/relationships" xmlns:p="http://schemas.openxmlformats.org/presentationml/2006/main">
+  <p:cSld>
+    <p:spTree>
+      <p:nvGrpSpPr>
+        <p:cNvPr id="1" name=""/>
+        <p:cNvGrpSpPr/>
+        <p:nvPr/>
+      </p:nvGrpSpPr>
+      <p:grpSpPr>
+        <a:xfrm>
+          <a:off x="0" y="0"/>
+          <a:ext cx="0" cy="0"/>
+          <a:chOff x="0" y="0"/>
+          <a:chExt cx="0" cy="0"/>
+        </a:xfrm>
+      </p:grpSpPr>
+      <p:graphicFrame>
+        <p:nvGraphicFramePr>
+          <p:cNvPr id="4" name="Table 3"/>
+          <p:cNvGraphicFramePr>
+            <a:graphicFrameLocks noGrp="1"/>
+          </p:cNvGraphicFramePr>
+          <p:nvPr>
+            <p:extLst>
+              <p:ext uri="{D42A27DB-BD31-4B8C-83A1-F6EECF244321}">
+                <p14:modId xmlns:p14="http://schemas.microsoft.com/office/powerpoint/2010/main" val="1915515587"/>
+              </p:ext>
+            </p:extLst>
+          </p:nvPr>
+        </p:nvGraphicFramePr>
+        <p:xfrm>
+          <a:off x="1831584" y="2066794"/>
+          <a:ext cx="8128002" cy="1981200"/>
+        </p:xfrm>
+        <a:graphic>
+          <a:graphicData uri="http://schemas.openxmlformats.org/drawingml/2006/table">
+            <a:tbl>
+              <a:tblPr firstRow="1" bandRow="1">
+                <a:tableStyleId>{5C22544A-7EE6-4342-B048-85BDC9FD1C3A}</a:tableStyleId>
+              </a:tblPr>
+              <a:tblGrid>
+                <a:gridCol w="1354667"/>
+                <a:gridCol w="1354667"/>
+                <a:gridCol w="1354667"/>
+                <a:gridCol w="1354667"/>
+                <a:gridCol w="1354667"/>
+                <a:gridCol w="1354667"/>
+              </a:tblGrid>
+              <a:tr h="312292">
+                <a:tc gridSpan="6">
+                  <a:txBody>
+                    <a:bodyPr/>
+                    <a:lstStyle/>
+                    <a:p>
+                      <a:pPr algn="ctr"/>
+                      <a:r>
+                        <a:rPr lang="zh-CN" altLang="en-US" sz="2500" dirty="0" smtClean="0"/>
+                        <a:t>教师</a:t>
+                      </a:r>
+                      <a:endParaRPr lang="en-US" sz="2500" dirty="0"/>
+                    </a:p>
+                  </a:txBody>
+                  <a:tcPr/>
+                </a:tc>
+                <a:tc hMerge="1">
+                  <a:txBody>
+                    <a:bodyPr/>
+                    <a:lstStyle/>
+                    <a:p>
+                      <a:pPr algn="ctr"/>
+                      <a:endParaRPr lang="en-US" dirty="0"/>
+                    </a:p>
+                  </a:txBody>
+                  <a:tcPr/>
+                </a:tc>
+                <a:tc hMerge="1">
+                  <a:txBody>
+                    <a:bodyPr/>
+                    <a:lstStyle/>
+                    <a:p>
+                      <a:pPr algn="ctr"/>
+                      <a:endParaRPr lang="en-US" dirty="0"/>
+                    </a:p>
+                  </a:txBody>
+                  <a:tcPr/>
+                </a:tc>
+                <a:tc hMerge="1">
+                  <a:txBody>
+                    <a:bodyPr/>
+                    <a:lstStyle/>
+                    <a:p>
+                      <a:pPr algn="ctr"/>
+                      <a:endParaRPr lang="en-US" dirty="0"/>
+                    </a:p>
+                  </a:txBody>
+                  <a:tcPr/>
+                </a:tc>
+                <a:tc hMerge="1">
+                  <a:txBody>
+                    <a:bodyPr/>
+                    <a:lstStyle/>
+                    <a:p>
+                      <a:endParaRPr lang="en-US"/>
+                    </a:p>
+                  </a:txBody>
+                  <a:tcPr/>
+                </a:tc>
+                <a:tc hMerge="1">
+                  <a:txBody>
+                    <a:bodyPr/>
+                    <a:lstStyle/>
+                    <a:p>
+                      <a:pPr algn="ctr"/>
+                      <a:endParaRPr lang="en-US" dirty="0"/>
+                    </a:p>
+                  </a:txBody>
+                  <a:tcPr/>
+                </a:tc>
+              </a:tr>
+              <a:tr h="312292">
+                <a:tc>
+                  <a:txBody>
+                    <a:bodyPr/>
+                    <a:lstStyle/>
+                    <a:p>
+                      <a:pPr algn="ctr"/>
+                      <a:r>
+                        <a:rPr lang="zh-CN" altLang="en-US" sz="2000" b="1" dirty="0" smtClean="0"/>
+                        <a:t>字段</a:t>
+                      </a:r>
+                      <a:endParaRPr lang="en-US" sz="2000" b="1" dirty="0"/>
+                    </a:p>
+                  </a:txBody>
+                  <a:tcPr/>
+                </a:tc>
+                <a:tc>
+                  <a:txBody>
+                    <a:bodyPr/>
+                    <a:lstStyle/>
+                    <a:p>
+                      <a:pPr algn="ctr"/>
+                      <a:r>
+                        <a:rPr lang="zh-CN" altLang="en-US" sz="2000" b="1" dirty="0" smtClean="0"/>
+                        <a:t>类型</a:t>
+                      </a:r>
+                      <a:endParaRPr lang="en-US" sz="2000" b="1" dirty="0"/>
+                    </a:p>
+                  </a:txBody>
+                  <a:tcPr/>
+                </a:tc>
+                <a:tc>
+                  <a:txBody>
+                    <a:bodyPr/>
+                    <a:lstStyle/>
+                    <a:p>
+                      <a:pPr algn="ctr"/>
+                      <a:r>
+                        <a:rPr lang="zh-CN" altLang="en-US" sz="2000" b="1" dirty="0" smtClean="0"/>
+                        <a:t>长度</a:t>
+                      </a:r>
+                      <a:endParaRPr lang="en-US" sz="2000" b="1" dirty="0"/>
+                    </a:p>
+                  </a:txBody>
+                  <a:tcPr/>
+                </a:tc>
+                <a:tc>
+                  <a:txBody>
+                    <a:bodyPr/>
+                    <a:lstStyle/>
+                    <a:p>
+                      <a:pPr algn="ctr"/>
+                      <a:r>
+                        <a:rPr lang="zh-CN" altLang="en-US" sz="2000" b="1" dirty="0" smtClean="0"/>
+                        <a:t>主键</a:t>
+                      </a:r>
+                      <a:endParaRPr lang="en-US" sz="2000" b="1" dirty="0"/>
+                    </a:p>
+                  </a:txBody>
+                  <a:tcPr/>
+                </a:tc>
+                <a:tc>
+                  <a:txBody>
+                    <a:bodyPr/>
+                    <a:lstStyle/>
+                    <a:p>
+                      <a:pPr algn="ctr"/>
+                      <a:r>
+                        <a:rPr lang="zh-CN" altLang="en-US" sz="2000" b="1" dirty="0" smtClean="0"/>
+                        <a:t>允许</a:t>
+                      </a:r>
+                      <a:r>
+                        <a:rPr lang="en-US" altLang="zh-CN" sz="2000" b="1" dirty="0" smtClean="0"/>
+                        <a:t>NULL</a:t>
+                      </a:r>
+                      <a:endParaRPr lang="en-US" sz="2000" b="1" dirty="0"/>
+                    </a:p>
+                  </a:txBody>
+                  <a:tcPr/>
+                </a:tc>
+                <a:tc>
+                  <a:txBody>
+                    <a:bodyPr/>
+                    <a:lstStyle/>
+                    <a:p>
+                      <a:pPr algn="ctr"/>
+                      <a:r>
+                        <a:rPr lang="zh-CN" altLang="en-US" sz="2000" b="1" dirty="0" smtClean="0"/>
+                        <a:t>说明</a:t>
+                      </a:r>
+                      <a:endParaRPr lang="en-US" sz="2000" b="1" dirty="0"/>
+                    </a:p>
+                  </a:txBody>
+                  <a:tcPr/>
+                </a:tc>
+              </a:tr>
+              <a:tr h="370840">
+                <a:tc>
+                  <a:txBody>
+                    <a:bodyPr/>
+                    <a:lstStyle/>
+                    <a:p>
+                      <a:pPr algn="ctr"/>
+                      <a:r>
+                        <a:rPr lang="en-US" altLang="zh-CN" dirty="0" smtClean="0"/>
+                        <a:t>id</a:t>
+                      </a:r>
+                      <a:endParaRPr lang="en-US" dirty="0"/>
+                    </a:p>
+                  </a:txBody>
+                  <a:tcPr/>
+                </a:tc>
+                <a:tc>
+                  <a:txBody>
+                    <a:bodyPr/>
+                    <a:lstStyle/>
+                    <a:p>
+                      <a:pPr algn="ctr"/>
+                      <a:r>
+                        <a:rPr lang="en-US" dirty="0" err="1" smtClean="0"/>
+                        <a:t>int</a:t>
+                      </a:r>
+                      <a:endParaRPr lang="en-US" dirty="0"/>
+                    </a:p>
+                  </a:txBody>
+                  <a:tcPr/>
+                </a:tc>
+                <a:tc>
+                  <a:txBody>
+                    <a:bodyPr/>
+                    <a:lstStyle/>
+                    <a:p>
+                      <a:pPr algn="ctr"/>
+                      <a:r>
+                        <a:rPr lang="en-US" dirty="0" smtClean="0"/>
+                        <a:t>8</a:t>
+                      </a:r>
+                      <a:endParaRPr lang="en-US" dirty="0"/>
+                    </a:p>
+                  </a:txBody>
+                  <a:tcPr/>
+                </a:tc>
+                <a:tc>
+                  <a:txBody>
+                    <a:bodyPr/>
+                    <a:lstStyle/>
+                    <a:p>
+                      <a:pPr marL="0" marR="0" indent="0" algn="ctr" defTabSz="914400" rtl="0" eaLnBrk="1" fontAlgn="auto" latinLnBrk="0" hangingPunct="1">
+                        <a:lnSpc>
+                          <a:spcPct val="100000"/>
+                        </a:lnSpc>
+                        <a:spcBef>
+                          <a:spcPts val="0"/>
+                        </a:spcBef>
+                        <a:spcAft>
+                          <a:spcPts val="0"/>
+                        </a:spcAft>
+                        <a:buClrTx/>
+                        <a:buSzTx/>
+                        <a:buFontTx/>
+                        <a:buNone/>
+                        <a:tabLst/>
+                        <a:defRPr/>
+                      </a:pPr>
+                      <a:r>
+                        <a:rPr lang="zh-CN" altLang="en-US" dirty="0" smtClean="0"/>
+                        <a:t>是</a:t>
+                      </a:r>
+                      <a:endParaRPr lang="en-US" dirty="0" smtClean="0"/>
+                    </a:p>
+                  </a:txBody>
+                  <a:tcPr/>
+                </a:tc>
+                <a:tc>
+                  <a:txBody>
+                    <a:bodyPr/>
+                    <a:lstStyle/>
+                    <a:p>
+                      <a:pPr algn="ctr"/>
+                      <a:r>
+                        <a:rPr lang="en-US" dirty="0" smtClean="0"/>
+                        <a:t>N</a:t>
+                      </a:r>
+                      <a:endParaRPr lang="en-US" dirty="0"/>
+                    </a:p>
+                  </a:txBody>
+                  <a:tcPr/>
+                </a:tc>
+                <a:tc>
+                  <a:txBody>
+                    <a:bodyPr/>
+                    <a:lstStyle/>
+                    <a:p>
+                      <a:pPr algn="ctr"/>
+                      <a:r>
+                        <a:rPr lang="zh-CN" altLang="en-US" dirty="0" smtClean="0"/>
+                        <a:t>自增</a:t>
+                      </a:r>
+                      <a:endParaRPr lang="en-US" dirty="0"/>
+                    </a:p>
+                  </a:txBody>
+                  <a:tcPr/>
+                </a:tc>
+              </a:tr>
+              <a:tr h="370840">
+                <a:tc>
+                  <a:txBody>
+                    <a:bodyPr/>
+                    <a:lstStyle/>
+                    <a:p>
+                      <a:pPr algn="ctr"/>
+                      <a:r>
+                        <a:rPr lang="en-US" dirty="0" err="1" smtClean="0"/>
+                        <a:t>tname</a:t>
+                      </a:r>
+                      <a:endParaRPr lang="en-US" dirty="0"/>
+                    </a:p>
+                  </a:txBody>
+                  <a:tcPr/>
+                </a:tc>
+                <a:tc>
+                  <a:txBody>
+                    <a:bodyPr/>
+                    <a:lstStyle/>
+                    <a:p>
+                      <a:pPr algn="ctr"/>
+                      <a:r>
+                        <a:rPr lang="en-US" dirty="0" smtClean="0"/>
+                        <a:t>char</a:t>
+                      </a:r>
+                      <a:endParaRPr lang="en-US" dirty="0"/>
+                    </a:p>
+                  </a:txBody>
+                  <a:tcPr/>
+                </a:tc>
+                <a:tc>
+                  <a:txBody>
+                    <a:bodyPr/>
+                    <a:lstStyle/>
+                    <a:p>
+                      <a:pPr algn="ctr"/>
+                      <a:r>
+                        <a:rPr lang="en-US" dirty="0" smtClean="0"/>
+                        <a:t>10</a:t>
+                      </a:r>
+                      <a:endParaRPr lang="en-US" dirty="0"/>
+                    </a:p>
+                  </a:txBody>
+                  <a:tcPr/>
+                </a:tc>
+                <a:tc>
+                  <a:txBody>
+                    <a:bodyPr/>
+                    <a:lstStyle/>
+                    <a:p>
+                      <a:pPr algn="ctr"/>
+                      <a:endParaRPr lang="en-US" dirty="0"/>
+                    </a:p>
+                  </a:txBody>
+                  <a:tcPr/>
+                </a:tc>
+                <a:tc>
+                  <a:txBody>
+                    <a:bodyPr/>
+                    <a:lstStyle/>
+                    <a:p>
+                      <a:pPr algn="ctr"/>
+                      <a:r>
+                        <a:rPr lang="en-US" dirty="0" smtClean="0"/>
+                        <a:t>N</a:t>
+                      </a:r>
+                      <a:endParaRPr lang="en-US" dirty="0"/>
+                    </a:p>
+                  </a:txBody>
+                  <a:tcPr/>
+                </a:tc>
+                <a:tc>
+                  <a:txBody>
+                    <a:bodyPr/>
+                    <a:lstStyle/>
+                    <a:p>
+                      <a:pPr algn="ctr"/>
+                      <a:r>
+                        <a:rPr lang="zh-CN" altLang="en-US" dirty="0" smtClean="0"/>
+                        <a:t>名字</a:t>
+                      </a:r>
+                      <a:endParaRPr lang="en-US" dirty="0"/>
+                    </a:p>
+                  </a:txBody>
+                  <a:tcPr/>
+                </a:tc>
+              </a:tr>
+              <a:tr h="370840">
+                <a:tc>
+                  <a:txBody>
+                    <a:bodyPr/>
+                    <a:lstStyle/>
+                    <a:p>
+                      <a:pPr algn="ctr"/>
+                      <a:r>
+                        <a:rPr lang="en-US" dirty="0" smtClean="0"/>
+                        <a:t>password</a:t>
+                      </a:r>
+                      <a:endParaRPr lang="en-US" dirty="0"/>
+                    </a:p>
+                  </a:txBody>
+                  <a:tcPr/>
+                </a:tc>
+                <a:tc>
+                  <a:txBody>
+                    <a:bodyPr/>
+                    <a:lstStyle/>
+                    <a:p>
+                      <a:pPr algn="ctr"/>
+                      <a:r>
+                        <a:rPr lang="en-US" dirty="0" smtClean="0"/>
+                        <a:t>varchar</a:t>
+                      </a:r>
+                      <a:endParaRPr lang="en-US" dirty="0"/>
+                    </a:p>
+                  </a:txBody>
+                  <a:tcPr/>
+                </a:tc>
+                <a:tc>
+                  <a:txBody>
+                    <a:bodyPr/>
+                    <a:lstStyle/>
+                    <a:p>
+                      <a:pPr algn="ctr"/>
+                      <a:r>
+                        <a:rPr lang="en-US" dirty="0" smtClean="0"/>
+                        <a:t>128</a:t>
+                      </a:r>
+                      <a:endParaRPr lang="en-US" dirty="0"/>
+                    </a:p>
+                  </a:txBody>
+                  <a:tcPr/>
+                </a:tc>
+                <a:tc>
+                  <a:txBody>
+                    <a:bodyPr/>
+                    <a:lstStyle/>
+                    <a:p>
+                      <a:pPr marL="0" marR="0" indent="0" algn="ctr" defTabSz="914400" rtl="0" eaLnBrk="1" fontAlgn="auto" latinLnBrk="0" hangingPunct="1">
+                        <a:lnSpc>
+                          <a:spcPct val="100000"/>
+                        </a:lnSpc>
+                        <a:spcBef>
+                          <a:spcPts val="0"/>
+                        </a:spcBef>
+                        <a:spcAft>
+                          <a:spcPts val="0"/>
+                        </a:spcAft>
+                        <a:buClrTx/>
+                        <a:buSzTx/>
+                        <a:buFontTx/>
+                        <a:buNone/>
+                        <a:tabLst/>
+                        <a:defRPr/>
+                      </a:pPr>
+                      <a:endParaRPr lang="en-US" dirty="0" smtClean="0"/>
+                    </a:p>
+                  </a:txBody>
+                  <a:tcPr/>
+                </a:tc>
+                <a:tc>
+                  <a:txBody>
+                    <a:bodyPr/>
+                    <a:lstStyle/>
+                    <a:p>
+                      <a:pPr algn="ctr"/>
+                      <a:r>
+                        <a:rPr lang="en-US" dirty="0" smtClean="0"/>
+                        <a:t>N</a:t>
+                      </a:r>
+                      <a:endParaRPr lang="en-US" dirty="0"/>
+                    </a:p>
+                  </a:txBody>
+                  <a:tcPr/>
+                </a:tc>
+                <a:tc>
+                  <a:txBody>
+                    <a:bodyPr/>
+                    <a:lstStyle/>
+                    <a:p>
+                      <a:pPr algn="ctr"/>
+                      <a:r>
+                        <a:rPr lang="zh-CN" altLang="en-US" dirty="0" smtClean="0"/>
+                        <a:t>密码</a:t>
+                      </a:r>
+                      <a:endParaRPr lang="en-US" dirty="0"/>
+                    </a:p>
+                  </a:txBody>
+                  <a:tcPr/>
+                </a:tc>
+              </a:tr>
+            </a:tbl>
+          </a:graphicData>
+        </a:graphic>
+      </p:graphicFrame>
+    </p:spTree>
+    <p:extLst>
+      <p:ext uri="{BB962C8B-B14F-4D97-AF65-F5344CB8AC3E}">
+        <p14:creationId xmlns:p14="http://schemas.microsoft.com/office/powerpoint/2010/main" val="1233805520"/>
       </p:ext>
     </p:extLst>
   </p:cSld>

--- a/db/数据表.pptx
+++ b/db/数据表.pptx
@@ -2,7 +2,7 @@
 <file path=ppt/presentation.xml><?xml version="1.0" encoding="utf-8"?>
 <p:presentation xmlns:a="http://schemas.openxmlformats.org/drawingml/2006/main" xmlns:r="http://schemas.openxmlformats.org/officeDocument/2006/relationships" xmlns:p="http://schemas.openxmlformats.org/presentationml/2006/main" saveSubsetFonts="1" autoCompressPictures="0">
   <p:sldMasterIdLst>
-    <p:sldMasterId id="2147483648" r:id="rId1"/>
+    <p:sldMasterId id="2147483749" r:id="rId1"/>
   </p:sldMasterIdLst>
   <p:notesMasterIdLst>
     <p:notesMasterId r:id="rId6"/>
@@ -200,7 +200,7 @@
           <a:p>
             <a:fld id="{20D2F5BB-5D28-E843-A1BC-616098909995}" type="datetimeFigureOut">
               <a:rPr lang="en-US" smtClean="0"/>
-              <a:t>12/9/17</a:t>
+              <a:t>12/10/17</a:t>
             </a:fld>
             <a:endParaRPr lang="en-US"/>
           </a:p>
@@ -469,7 +469,7 @@
 </file>
 
 <file path=ppt/slideLayouts/slideLayout1.xml><?xml version="1.0" encoding="utf-8"?>
-<p:sldLayout xmlns:a="http://schemas.openxmlformats.org/drawingml/2006/main" xmlns:r="http://schemas.openxmlformats.org/officeDocument/2006/relationships" xmlns:p="http://schemas.openxmlformats.org/presentationml/2006/main" type="title" preserve="1">
+<p:sldLayout xmlns:a="http://schemas.openxmlformats.org/drawingml/2006/main" xmlns:r="http://schemas.openxmlformats.org/officeDocument/2006/relationships" xmlns:p="http://schemas.openxmlformats.org/presentationml/2006/main" showMasterSp="0" type="title" preserve="1">
   <p:cSld name="Title Slide">
     <p:spTree>
       <p:nvGrpSpPr>
@@ -487,6 +487,82 @@
       </p:grpSpPr>
       <p:sp>
         <p:nvSpPr>
+          <p:cNvPr id="7" name="Rectangle 6"/>
+          <p:cNvSpPr/>
+          <p:nvPr/>
+        </p:nvSpPr>
+        <p:spPr>
+          <a:xfrm>
+            <a:off x="3175" y="6400800"/>
+            <a:ext cx="12188825" cy="457200"/>
+          </a:xfrm>
+          <a:prstGeom prst="rect">
+            <a:avLst/>
+          </a:prstGeom>
+          <a:solidFill>
+            <a:schemeClr val="accent2"/>
+          </a:solidFill>
+          <a:ln>
+            <a:noFill/>
+          </a:ln>
+        </p:spPr>
+        <p:style>
+          <a:lnRef idx="2">
+            <a:schemeClr val="accent1">
+              <a:shade val="50000"/>
+            </a:schemeClr>
+          </a:lnRef>
+          <a:fillRef idx="1">
+            <a:schemeClr val="accent1"/>
+          </a:fillRef>
+          <a:effectRef idx="0">
+            <a:schemeClr val="accent1"/>
+          </a:effectRef>
+          <a:fontRef idx="minor">
+            <a:schemeClr val="lt1"/>
+          </a:fontRef>
+        </p:style>
+      </p:sp>
+      <p:sp>
+        <p:nvSpPr>
+          <p:cNvPr id="8" name="Rectangle 7"/>
+          <p:cNvSpPr/>
+          <p:nvPr/>
+        </p:nvSpPr>
+        <p:spPr>
+          <a:xfrm>
+            <a:off x="15" y="6334316"/>
+            <a:ext cx="12188825" cy="64008"/>
+          </a:xfrm>
+          <a:prstGeom prst="rect">
+            <a:avLst/>
+          </a:prstGeom>
+          <a:solidFill>
+            <a:schemeClr val="accent1"/>
+          </a:solidFill>
+          <a:ln>
+            <a:noFill/>
+          </a:ln>
+        </p:spPr>
+        <p:style>
+          <a:lnRef idx="2">
+            <a:schemeClr val="accent1">
+              <a:shade val="50000"/>
+            </a:schemeClr>
+          </a:lnRef>
+          <a:fillRef idx="1">
+            <a:schemeClr val="accent1"/>
+          </a:fillRef>
+          <a:effectRef idx="0">
+            <a:schemeClr val="accent1"/>
+          </a:effectRef>
+          <a:fontRef idx="minor">
+            <a:schemeClr val="lt1"/>
+          </a:fontRef>
+        </p:style>
+      </p:sp>
+      <p:sp>
+        <p:nvSpPr>
           <p:cNvPr id="2" name="Title 1"/>
           <p:cNvSpPr>
             <a:spLocks noGrp="1"/>
@@ -497,15 +573,27 @@
         </p:nvSpPr>
         <p:spPr>
           <a:xfrm>
-            <a:off x="1524000" y="1122363"/>
-            <a:ext cx="9144000" cy="2387600"/>
+            <a:off x="1097280" y="758952"/>
+            <a:ext cx="10058400" cy="3566160"/>
           </a:xfrm>
         </p:spPr>
         <p:txBody>
-          <a:bodyPr anchor="b"/>
+          <a:bodyPr anchor="b">
+            <a:normAutofit/>
+          </a:bodyPr>
           <a:lstStyle>
-            <a:lvl1pPr algn="ctr">
-              <a:defRPr sz="6000"/>
+            <a:lvl1pPr algn="l">
+              <a:lnSpc>
+                <a:spcPct val="85000"/>
+              </a:lnSpc>
+              <a:defRPr sz="8000" spc="-50" baseline="0">
+                <a:solidFill>
+                  <a:schemeClr val="tx1">
+                    <a:lumMod val="85000"/>
+                    <a:lumOff val="15000"/>
+                  </a:schemeClr>
+                </a:solidFill>
+              </a:defRPr>
             </a:lvl1pPr>
           </a:lstStyle>
           <a:p>
@@ -513,7 +601,7 @@
               <a:rPr lang="en-US" smtClean="0"/>
               <a:t>Click to edit Master title style</a:t>
             </a:r>
-            <a:endParaRPr lang="en-US"/>
+            <a:endParaRPr lang="en-US" dirty="0"/>
           </a:p>
         </p:txBody>
       </p:sp>
@@ -529,48 +617,55 @@
         </p:nvSpPr>
         <p:spPr>
           <a:xfrm>
-            <a:off x="1524000" y="3602038"/>
-            <a:ext cx="9144000" cy="1655762"/>
+            <a:off x="1100051" y="4455620"/>
+            <a:ext cx="10058400" cy="1143000"/>
           </a:xfrm>
         </p:spPr>
         <p:txBody>
-          <a:bodyPr/>
+          <a:bodyPr lIns="91440" rIns="91440">
+            <a:normAutofit/>
+          </a:bodyPr>
           <a:lstStyle>
-            <a:lvl1pPr marL="0" indent="0" algn="ctr">
+            <a:lvl1pPr marL="0" indent="0" algn="l">
               <a:buNone/>
-              <a:defRPr sz="2400"/>
+              <a:defRPr sz="2400" cap="all" spc="200" baseline="0">
+                <a:solidFill>
+                  <a:schemeClr val="tx2"/>
+                </a:solidFill>
+                <a:latin typeface="+mj-lt"/>
+              </a:defRPr>
             </a:lvl1pPr>
             <a:lvl2pPr marL="457200" indent="0" algn="ctr">
               <a:buNone/>
-              <a:defRPr sz="2000"/>
+              <a:defRPr sz="2400"/>
             </a:lvl2pPr>
             <a:lvl3pPr marL="914400" indent="0" algn="ctr">
               <a:buNone/>
-              <a:defRPr sz="1800"/>
+              <a:defRPr sz="2400"/>
             </a:lvl3pPr>
             <a:lvl4pPr marL="1371600" indent="0" algn="ctr">
               <a:buNone/>
-              <a:defRPr sz="1600"/>
+              <a:defRPr sz="2000"/>
             </a:lvl4pPr>
             <a:lvl5pPr marL="1828800" indent="0" algn="ctr">
               <a:buNone/>
-              <a:defRPr sz="1600"/>
+              <a:defRPr sz="2000"/>
             </a:lvl5pPr>
             <a:lvl6pPr marL="2286000" indent="0" algn="ctr">
               <a:buNone/>
-              <a:defRPr sz="1600"/>
+              <a:defRPr sz="2000"/>
             </a:lvl6pPr>
             <a:lvl7pPr marL="2743200" indent="0" algn="ctr">
               <a:buNone/>
-              <a:defRPr sz="1600"/>
+              <a:defRPr sz="2000"/>
             </a:lvl7pPr>
             <a:lvl8pPr marL="3200400" indent="0" algn="ctr">
               <a:buNone/>
-              <a:defRPr sz="1600"/>
+              <a:defRPr sz="2000"/>
             </a:lvl8pPr>
             <a:lvl9pPr marL="3657600" indent="0" algn="ctr">
               <a:buNone/>
-              <a:defRPr sz="1600"/>
+              <a:defRPr sz="2000"/>
             </a:lvl9pPr>
           </a:lstStyle>
           <a:p>
@@ -578,7 +673,7 @@
               <a:rPr lang="en-US" smtClean="0"/>
               <a:t>Click to edit Master subtitle style</a:t>
             </a:r>
-            <a:endParaRPr lang="en-US"/>
+            <a:endParaRPr lang="en-US" dirty="0"/>
           </a:p>
         </p:txBody>
       </p:sp>
@@ -599,7 +694,7 @@
           <a:p>
             <a:fld id="{487A7684-DA80-CE42-9228-C7F95CD3DEF1}" type="datetimeFigureOut">
               <a:rPr lang="en-US" smtClean="0"/>
-              <a:t>12/9/17</a:t>
+              <a:t>12/10/17</a:t>
             </a:fld>
             <a:endParaRPr lang="en-US"/>
           </a:p>
@@ -647,12 +742,45 @@
           </a:p>
         </p:txBody>
       </p:sp>
+      <p:cxnSp>
+        <p:nvCxnSpPr>
+          <p:cNvPr id="9" name="Straight Connector 8"/>
+          <p:cNvCxnSpPr/>
+          <p:nvPr/>
+        </p:nvCxnSpPr>
+        <p:spPr>
+          <a:xfrm>
+            <a:off x="1207658" y="4343400"/>
+            <a:ext cx="9875520" cy="0"/>
+          </a:xfrm>
+          <a:prstGeom prst="line">
+            <a:avLst/>
+          </a:prstGeom>
+          <a:ln w="6350">
+            <a:solidFill>
+              <a:schemeClr val="tx1">
+                <a:lumMod val="50000"/>
+                <a:lumOff val="50000"/>
+              </a:schemeClr>
+            </a:solidFill>
+          </a:ln>
+        </p:spPr>
+        <p:style>
+          <a:lnRef idx="1">
+            <a:schemeClr val="accent1"/>
+          </a:lnRef>
+          <a:fillRef idx="0">
+            <a:schemeClr val="accent1"/>
+          </a:fillRef>
+          <a:effectRef idx="0">
+            <a:schemeClr val="accent1"/>
+          </a:effectRef>
+          <a:fontRef idx="minor">
+            <a:schemeClr val="tx1"/>
+          </a:fontRef>
+        </p:style>
+      </p:cxnSp>
     </p:spTree>
-    <p:extLst>
-      <p:ext uri="{BB962C8B-B14F-4D97-AF65-F5344CB8AC3E}">
-        <p14:creationId xmlns:p14="http://schemas.microsoft.com/office/powerpoint/2010/main" val="467279208"/>
-      </p:ext>
-    </p:extLst>
   </p:cSld>
   <p:clrMapOvr>
     <a:masterClrMapping/>
@@ -696,7 +824,7 @@
               <a:rPr lang="en-US" smtClean="0"/>
               <a:t>Click to edit Master title style</a:t>
             </a:r>
-            <a:endParaRPr lang="en-US"/>
+            <a:endParaRPr lang="en-US" dirty="0"/>
           </a:p>
         </p:txBody>
       </p:sp>
@@ -712,7 +840,7 @@
         </p:nvSpPr>
         <p:spPr/>
         <p:txBody>
-          <a:bodyPr vert="eaVert"/>
+          <a:bodyPr vert="eaVert" lIns="45720" tIns="0" rIns="45720" bIns="0"/>
           <a:lstStyle/>
           <a:p>
             <a:pPr lvl="0"/>
@@ -748,7 +876,7 @@
               <a:rPr lang="en-US" smtClean="0"/>
               <a:t>Fifth level</a:t>
             </a:r>
-            <a:endParaRPr lang="en-US"/>
+            <a:endParaRPr lang="en-US" dirty="0"/>
           </a:p>
         </p:txBody>
       </p:sp>
@@ -769,7 +897,7 @@
           <a:p>
             <a:fld id="{487A7684-DA80-CE42-9228-C7F95CD3DEF1}" type="datetimeFigureOut">
               <a:rPr lang="en-US" smtClean="0"/>
-              <a:t>12/9/17</a:t>
+              <a:t>12/10/17</a:t>
             </a:fld>
             <a:endParaRPr lang="en-US"/>
           </a:p>
@@ -818,11 +946,6 @@
         </p:txBody>
       </p:sp>
     </p:spTree>
-    <p:extLst>
-      <p:ext uri="{BB962C8B-B14F-4D97-AF65-F5344CB8AC3E}">
-        <p14:creationId xmlns:p14="http://schemas.microsoft.com/office/powerpoint/2010/main" val="1109344342"/>
-      </p:ext>
-    </p:extLst>
   </p:cSld>
   <p:clrMapOvr>
     <a:masterClrMapping/>
@@ -831,7 +954,7 @@
 </file>
 
 <file path=ppt/slideLayouts/slideLayout11.xml><?xml version="1.0" encoding="utf-8"?>
-<p:sldLayout xmlns:a="http://schemas.openxmlformats.org/drawingml/2006/main" xmlns:r="http://schemas.openxmlformats.org/officeDocument/2006/relationships" xmlns:p="http://schemas.openxmlformats.org/presentationml/2006/main" type="vertTitleAndTx" preserve="1">
+<p:sldLayout xmlns:a="http://schemas.openxmlformats.org/drawingml/2006/main" xmlns:r="http://schemas.openxmlformats.org/officeDocument/2006/relationships" xmlns:p="http://schemas.openxmlformats.org/presentationml/2006/main" showMasterSp="0" type="vertTitleAndTx" preserve="1">
   <p:cSld name="Vertical Title and Text">
     <p:spTree>
       <p:nvGrpSpPr>
@@ -849,6 +972,82 @@
       </p:grpSpPr>
       <p:sp>
         <p:nvSpPr>
+          <p:cNvPr id="7" name="Rectangle 6"/>
+          <p:cNvSpPr/>
+          <p:nvPr/>
+        </p:nvSpPr>
+        <p:spPr>
+          <a:xfrm>
+            <a:off x="3175" y="6400800"/>
+            <a:ext cx="12188825" cy="457200"/>
+          </a:xfrm>
+          <a:prstGeom prst="rect">
+            <a:avLst/>
+          </a:prstGeom>
+          <a:solidFill>
+            <a:schemeClr val="accent2"/>
+          </a:solidFill>
+          <a:ln>
+            <a:noFill/>
+          </a:ln>
+        </p:spPr>
+        <p:style>
+          <a:lnRef idx="2">
+            <a:schemeClr val="accent1">
+              <a:shade val="50000"/>
+            </a:schemeClr>
+          </a:lnRef>
+          <a:fillRef idx="1">
+            <a:schemeClr val="accent1"/>
+          </a:fillRef>
+          <a:effectRef idx="0">
+            <a:schemeClr val="accent1"/>
+          </a:effectRef>
+          <a:fontRef idx="minor">
+            <a:schemeClr val="lt1"/>
+          </a:fontRef>
+        </p:style>
+      </p:sp>
+      <p:sp>
+        <p:nvSpPr>
+          <p:cNvPr id="8" name="Rectangle 7"/>
+          <p:cNvSpPr/>
+          <p:nvPr/>
+        </p:nvSpPr>
+        <p:spPr>
+          <a:xfrm>
+            <a:off x="15" y="6334316"/>
+            <a:ext cx="12188825" cy="64008"/>
+          </a:xfrm>
+          <a:prstGeom prst="rect">
+            <a:avLst/>
+          </a:prstGeom>
+          <a:solidFill>
+            <a:schemeClr val="accent1"/>
+          </a:solidFill>
+          <a:ln>
+            <a:noFill/>
+          </a:ln>
+        </p:spPr>
+        <p:style>
+          <a:lnRef idx="2">
+            <a:schemeClr val="accent1">
+              <a:shade val="50000"/>
+            </a:schemeClr>
+          </a:lnRef>
+          <a:fillRef idx="1">
+            <a:schemeClr val="accent1"/>
+          </a:fillRef>
+          <a:effectRef idx="0">
+            <a:schemeClr val="accent1"/>
+          </a:effectRef>
+          <a:fontRef idx="minor">
+            <a:schemeClr val="lt1"/>
+          </a:fontRef>
+        </p:style>
+      </p:sp>
+      <p:sp>
+        <p:nvSpPr>
           <p:cNvPr id="2" name="Vertical Title 1"/>
           <p:cNvSpPr>
             <a:spLocks noGrp="1"/>
@@ -859,8 +1058,8 @@
         </p:nvSpPr>
         <p:spPr>
           <a:xfrm>
-            <a:off x="8724900" y="365125"/>
-            <a:ext cx="2628900" cy="5811838"/>
+            <a:off x="8724900" y="414778"/>
+            <a:ext cx="2628900" cy="5757421"/>
           </a:xfrm>
         </p:spPr>
         <p:txBody>
@@ -871,7 +1070,7 @@
               <a:rPr lang="en-US" smtClean="0"/>
               <a:t>Click to edit Master title style</a:t>
             </a:r>
-            <a:endParaRPr lang="en-US"/>
+            <a:endParaRPr lang="en-US" dirty="0"/>
           </a:p>
         </p:txBody>
       </p:sp>
@@ -887,12 +1086,12 @@
         </p:nvSpPr>
         <p:spPr>
           <a:xfrm>
-            <a:off x="838200" y="365125"/>
-            <a:ext cx="7734300" cy="5811838"/>
+            <a:off x="838200" y="414778"/>
+            <a:ext cx="7734300" cy="5757422"/>
           </a:xfrm>
         </p:spPr>
         <p:txBody>
-          <a:bodyPr vert="eaVert"/>
+          <a:bodyPr vert="eaVert" lIns="45720" tIns="0" rIns="45720" bIns="0"/>
           <a:lstStyle/>
           <a:p>
             <a:pPr lvl="0"/>
@@ -928,7 +1127,7 @@
               <a:rPr lang="en-US" smtClean="0"/>
               <a:t>Fifth level</a:t>
             </a:r>
-            <a:endParaRPr lang="en-US"/>
+            <a:endParaRPr lang="en-US" dirty="0"/>
           </a:p>
         </p:txBody>
       </p:sp>
@@ -949,7 +1148,7 @@
           <a:p>
             <a:fld id="{487A7684-DA80-CE42-9228-C7F95CD3DEF1}" type="datetimeFigureOut">
               <a:rPr lang="en-US" smtClean="0"/>
-              <a:t>12/9/17</a:t>
+              <a:t>12/10/17</a:t>
             </a:fld>
             <a:endParaRPr lang="en-US"/>
           </a:p>
@@ -998,11 +1197,6 @@
         </p:txBody>
       </p:sp>
     </p:spTree>
-    <p:extLst>
-      <p:ext uri="{BB962C8B-B14F-4D97-AF65-F5344CB8AC3E}">
-        <p14:creationId xmlns:p14="http://schemas.microsoft.com/office/powerpoint/2010/main" val="297332740"/>
-      </p:ext>
-    </p:extLst>
   </p:cSld>
   <p:clrMapOvr>
     <a:masterClrMapping/>
@@ -1040,13 +1234,17 @@
         <p:spPr/>
         <p:txBody>
           <a:bodyPr/>
-          <a:lstStyle/>
+          <a:lstStyle>
+            <a:lvl1pPr marL="0">
+              <a:defRPr/>
+            </a:lvl1pPr>
+          </a:lstStyle>
           <a:p>
             <a:r>
               <a:rPr lang="en-US" smtClean="0"/>
               <a:t>Click to edit Master title style</a:t>
             </a:r>
-            <a:endParaRPr lang="en-US"/>
+            <a:endParaRPr lang="en-US" dirty="0"/>
           </a:p>
         </p:txBody>
       </p:sp>
@@ -1098,7 +1296,7 @@
               <a:rPr lang="en-US" smtClean="0"/>
               <a:t>Fifth level</a:t>
             </a:r>
-            <a:endParaRPr lang="en-US"/>
+            <a:endParaRPr lang="en-US" dirty="0"/>
           </a:p>
         </p:txBody>
       </p:sp>
@@ -1119,7 +1317,7 @@
           <a:p>
             <a:fld id="{487A7684-DA80-CE42-9228-C7F95CD3DEF1}" type="datetimeFigureOut">
               <a:rPr lang="en-US" smtClean="0"/>
-              <a:t>12/9/17</a:t>
+              <a:t>12/10/17</a:t>
             </a:fld>
             <a:endParaRPr lang="en-US"/>
           </a:p>
@@ -1168,11 +1366,6 @@
         </p:txBody>
       </p:sp>
     </p:spTree>
-    <p:extLst>
-      <p:ext uri="{BB962C8B-B14F-4D97-AF65-F5344CB8AC3E}">
-        <p14:creationId xmlns:p14="http://schemas.microsoft.com/office/powerpoint/2010/main" val="213951777"/>
-      </p:ext>
-    </p:extLst>
   </p:cSld>
   <p:clrMapOvr>
     <a:masterClrMapping/>
@@ -1181,8 +1374,16 @@
 </file>
 
 <file path=ppt/slideLayouts/slideLayout3.xml><?xml version="1.0" encoding="utf-8"?>
-<p:sldLayout xmlns:a="http://schemas.openxmlformats.org/drawingml/2006/main" xmlns:r="http://schemas.openxmlformats.org/officeDocument/2006/relationships" xmlns:p="http://schemas.openxmlformats.org/presentationml/2006/main" type="secHead" preserve="1">
+<p:sldLayout xmlns:a="http://schemas.openxmlformats.org/drawingml/2006/main" xmlns:r="http://schemas.openxmlformats.org/officeDocument/2006/relationships" xmlns:p="http://schemas.openxmlformats.org/presentationml/2006/main" showMasterSp="0" type="secHead" preserve="1">
   <p:cSld name="Section Header">
+    <p:bg>
+      <p:bgPr>
+        <a:solidFill>
+          <a:schemeClr val="bg1"/>
+        </a:solidFill>
+        <a:effectLst/>
+      </p:bgPr>
+    </p:bg>
     <p:spTree>
       <p:nvGrpSpPr>
         <p:cNvPr id="1" name=""/>
@@ -1199,6 +1400,82 @@
       </p:grpSpPr>
       <p:sp>
         <p:nvSpPr>
+          <p:cNvPr id="7" name="Rectangle 6"/>
+          <p:cNvSpPr/>
+          <p:nvPr/>
+        </p:nvSpPr>
+        <p:spPr>
+          <a:xfrm>
+            <a:off x="3175" y="6400800"/>
+            <a:ext cx="12188825" cy="457200"/>
+          </a:xfrm>
+          <a:prstGeom prst="rect">
+            <a:avLst/>
+          </a:prstGeom>
+          <a:solidFill>
+            <a:schemeClr val="accent2"/>
+          </a:solidFill>
+          <a:ln>
+            <a:noFill/>
+          </a:ln>
+        </p:spPr>
+        <p:style>
+          <a:lnRef idx="2">
+            <a:schemeClr val="accent1">
+              <a:shade val="50000"/>
+            </a:schemeClr>
+          </a:lnRef>
+          <a:fillRef idx="1">
+            <a:schemeClr val="accent1"/>
+          </a:fillRef>
+          <a:effectRef idx="0">
+            <a:schemeClr val="accent1"/>
+          </a:effectRef>
+          <a:fontRef idx="minor">
+            <a:schemeClr val="lt1"/>
+          </a:fontRef>
+        </p:style>
+      </p:sp>
+      <p:sp>
+        <p:nvSpPr>
+          <p:cNvPr id="8" name="Rectangle 7"/>
+          <p:cNvSpPr/>
+          <p:nvPr/>
+        </p:nvSpPr>
+        <p:spPr>
+          <a:xfrm>
+            <a:off x="15" y="6334316"/>
+            <a:ext cx="12188825" cy="64008"/>
+          </a:xfrm>
+          <a:prstGeom prst="rect">
+            <a:avLst/>
+          </a:prstGeom>
+          <a:solidFill>
+            <a:schemeClr val="accent1"/>
+          </a:solidFill>
+          <a:ln>
+            <a:noFill/>
+          </a:ln>
+        </p:spPr>
+        <p:style>
+          <a:lnRef idx="2">
+            <a:schemeClr val="accent1">
+              <a:shade val="50000"/>
+            </a:schemeClr>
+          </a:lnRef>
+          <a:fillRef idx="1">
+            <a:schemeClr val="accent1"/>
+          </a:fillRef>
+          <a:effectRef idx="0">
+            <a:schemeClr val="accent1"/>
+          </a:effectRef>
+          <a:fontRef idx="minor">
+            <a:schemeClr val="lt1"/>
+          </a:fontRef>
+        </p:style>
+      </p:sp>
+      <p:sp>
+        <p:nvSpPr>
           <p:cNvPr id="2" name="Title 1"/>
           <p:cNvSpPr>
             <a:spLocks noGrp="1"/>
@@ -1209,15 +1486,27 @@
         </p:nvSpPr>
         <p:spPr>
           <a:xfrm>
-            <a:off x="831850" y="1709738"/>
-            <a:ext cx="10515600" cy="2852737"/>
+            <a:off x="1097280" y="758952"/>
+            <a:ext cx="10058400" cy="3566160"/>
           </a:xfrm>
         </p:spPr>
         <p:txBody>
-          <a:bodyPr anchor="b"/>
+          <a:bodyPr anchor="b" anchorCtr="0">
+            <a:normAutofit/>
+          </a:bodyPr>
           <a:lstStyle>
             <a:lvl1pPr>
-              <a:defRPr sz="6000"/>
+              <a:lnSpc>
+                <a:spcPct val="85000"/>
+              </a:lnSpc>
+              <a:defRPr sz="8000" b="0">
+                <a:solidFill>
+                  <a:schemeClr val="tx1">
+                    <a:lumMod val="85000"/>
+                    <a:lumOff val="15000"/>
+                  </a:schemeClr>
+                </a:solidFill>
+              </a:defRPr>
             </a:lvl1pPr>
           </a:lstStyle>
           <a:p>
@@ -1225,7 +1514,7 @@
               <a:rPr lang="en-US" smtClean="0"/>
               <a:t>Click to edit Master title style</a:t>
             </a:r>
-            <a:endParaRPr lang="en-US"/>
+            <a:endParaRPr lang="en-US" dirty="0"/>
           </a:p>
         </p:txBody>
       </p:sp>
@@ -1241,26 +1530,27 @@
         </p:nvSpPr>
         <p:spPr>
           <a:xfrm>
-            <a:off x="831850" y="4589463"/>
-            <a:ext cx="10515600" cy="1500187"/>
+            <a:off x="1097280" y="4453128"/>
+            <a:ext cx="10058400" cy="1143000"/>
           </a:xfrm>
         </p:spPr>
         <p:txBody>
-          <a:bodyPr/>
+          <a:bodyPr lIns="91440" rIns="91440" anchor="t" anchorCtr="0">
+            <a:normAutofit/>
+          </a:bodyPr>
           <a:lstStyle>
             <a:lvl1pPr marL="0" indent="0">
               <a:buNone/>
-              <a:defRPr sz="2400">
+              <a:defRPr sz="2400" cap="all" spc="200" baseline="0">
                 <a:solidFill>
-                  <a:schemeClr val="tx1">
-                    <a:tint val="75000"/>
-                  </a:schemeClr>
+                  <a:schemeClr val="tx2"/>
                 </a:solidFill>
+                <a:latin typeface="+mj-lt"/>
               </a:defRPr>
             </a:lvl1pPr>
             <a:lvl2pPr marL="457200" indent="0">
               <a:buNone/>
-              <a:defRPr sz="2000">
+              <a:defRPr sz="1800">
                 <a:solidFill>
                   <a:schemeClr val="tx1">
                     <a:tint val="75000"/>
@@ -1270,7 +1560,7 @@
             </a:lvl2pPr>
             <a:lvl3pPr marL="914400" indent="0">
               <a:buNone/>
-              <a:defRPr sz="1800">
+              <a:defRPr sz="1600">
                 <a:solidFill>
                   <a:schemeClr val="tx1">
                     <a:tint val="75000"/>
@@ -1280,7 +1570,7 @@
             </a:lvl3pPr>
             <a:lvl4pPr marL="1371600" indent="0">
               <a:buNone/>
-              <a:defRPr sz="1600">
+              <a:defRPr sz="1400">
                 <a:solidFill>
                   <a:schemeClr val="tx1">
                     <a:tint val="75000"/>
@@ -1290,7 +1580,7 @@
             </a:lvl4pPr>
             <a:lvl5pPr marL="1828800" indent="0">
               <a:buNone/>
-              <a:defRPr sz="1600">
+              <a:defRPr sz="1400">
                 <a:solidFill>
                   <a:schemeClr val="tx1">
                     <a:tint val="75000"/>
@@ -1300,7 +1590,7 @@
             </a:lvl5pPr>
             <a:lvl6pPr marL="2286000" indent="0">
               <a:buNone/>
-              <a:defRPr sz="1600">
+              <a:defRPr sz="1400">
                 <a:solidFill>
                   <a:schemeClr val="tx1">
                     <a:tint val="75000"/>
@@ -1310,7 +1600,7 @@
             </a:lvl6pPr>
             <a:lvl7pPr marL="2743200" indent="0">
               <a:buNone/>
-              <a:defRPr sz="1600">
+              <a:defRPr sz="1400">
                 <a:solidFill>
                   <a:schemeClr val="tx1">
                     <a:tint val="75000"/>
@@ -1320,7 +1610,7 @@
             </a:lvl7pPr>
             <a:lvl8pPr marL="3200400" indent="0">
               <a:buNone/>
-              <a:defRPr sz="1600">
+              <a:defRPr sz="1400">
                 <a:solidFill>
                   <a:schemeClr val="tx1">
                     <a:tint val="75000"/>
@@ -1330,7 +1620,7 @@
             </a:lvl8pPr>
             <a:lvl9pPr marL="3657600" indent="0">
               <a:buNone/>
-              <a:defRPr sz="1600">
+              <a:defRPr sz="1400">
                 <a:solidFill>
                   <a:schemeClr val="tx1">
                     <a:tint val="75000"/>
@@ -1365,7 +1655,7 @@
           <a:p>
             <a:fld id="{487A7684-DA80-CE42-9228-C7F95CD3DEF1}" type="datetimeFigureOut">
               <a:rPr lang="en-US" smtClean="0"/>
-              <a:t>12/9/17</a:t>
+              <a:t>12/10/17</a:t>
             </a:fld>
             <a:endParaRPr lang="en-US"/>
           </a:p>
@@ -1413,12 +1703,45 @@
           </a:p>
         </p:txBody>
       </p:sp>
+      <p:cxnSp>
+        <p:nvCxnSpPr>
+          <p:cNvPr id="9" name="Straight Connector 8"/>
+          <p:cNvCxnSpPr/>
+          <p:nvPr/>
+        </p:nvCxnSpPr>
+        <p:spPr>
+          <a:xfrm>
+            <a:off x="1207658" y="4343400"/>
+            <a:ext cx="9875520" cy="0"/>
+          </a:xfrm>
+          <a:prstGeom prst="line">
+            <a:avLst/>
+          </a:prstGeom>
+          <a:ln w="6350">
+            <a:solidFill>
+              <a:schemeClr val="tx1">
+                <a:lumMod val="50000"/>
+                <a:lumOff val="50000"/>
+              </a:schemeClr>
+            </a:solidFill>
+          </a:ln>
+        </p:spPr>
+        <p:style>
+          <a:lnRef idx="1">
+            <a:schemeClr val="accent1"/>
+          </a:lnRef>
+          <a:fillRef idx="0">
+            <a:schemeClr val="accent1"/>
+          </a:fillRef>
+          <a:effectRef idx="0">
+            <a:schemeClr val="accent1"/>
+          </a:effectRef>
+          <a:fontRef idx="minor">
+            <a:schemeClr val="tx1"/>
+          </a:fontRef>
+        </p:style>
+      </p:cxnSp>
     </p:spTree>
-    <p:extLst>
-      <p:ext uri="{BB962C8B-B14F-4D97-AF65-F5344CB8AC3E}">
-        <p14:creationId xmlns:p14="http://schemas.microsoft.com/office/powerpoint/2010/main" val="999890961"/>
-      </p:ext>
-    </p:extLst>
   </p:cSld>
   <p:clrMapOvr>
     <a:masterClrMapping/>
@@ -1445,7 +1768,7 @@
       </p:grpSpPr>
       <p:sp>
         <p:nvSpPr>
-          <p:cNvPr id="2" name="Title 1"/>
+          <p:cNvPr id="8" name="Title 7"/>
           <p:cNvSpPr>
             <a:spLocks noGrp="1"/>
           </p:cNvSpPr>
@@ -1453,7 +1776,12 @@
             <p:ph type="title"/>
           </p:nvPr>
         </p:nvSpPr>
-        <p:spPr/>
+        <p:spPr>
+          <a:xfrm>
+            <a:off x="1097280" y="286603"/>
+            <a:ext cx="10058400" cy="1450757"/>
+          </a:xfrm>
+        </p:spPr>
         <p:txBody>
           <a:bodyPr/>
           <a:lstStyle/>
@@ -1462,7 +1790,7 @@
               <a:rPr lang="en-US" smtClean="0"/>
               <a:t>Click to edit Master title style</a:t>
             </a:r>
-            <a:endParaRPr lang="en-US"/>
+            <a:endParaRPr lang="en-US" dirty="0"/>
           </a:p>
         </p:txBody>
       </p:sp>
@@ -1478,8 +1806,8 @@
         </p:nvSpPr>
         <p:spPr>
           <a:xfrm>
-            <a:off x="838200" y="1825625"/>
-            <a:ext cx="5181600" cy="4351338"/>
+            <a:off x="1097279" y="1845734"/>
+            <a:ext cx="4937760" cy="4023360"/>
           </a:xfrm>
         </p:spPr>
         <p:txBody>
@@ -1519,7 +1847,7 @@
               <a:rPr lang="en-US" smtClean="0"/>
               <a:t>Fifth level</a:t>
             </a:r>
-            <a:endParaRPr lang="en-US"/>
+            <a:endParaRPr lang="en-US" dirty="0"/>
           </a:p>
         </p:txBody>
       </p:sp>
@@ -1535,8 +1863,8 @@
         </p:nvSpPr>
         <p:spPr>
           <a:xfrm>
-            <a:off x="6172200" y="1825625"/>
-            <a:ext cx="5181600" cy="4351338"/>
+            <a:off x="6217920" y="1845735"/>
+            <a:ext cx="4937760" cy="4023360"/>
           </a:xfrm>
         </p:spPr>
         <p:txBody>
@@ -1576,7 +1904,7 @@
               <a:rPr lang="en-US" smtClean="0"/>
               <a:t>Fifth level</a:t>
             </a:r>
-            <a:endParaRPr lang="en-US"/>
+            <a:endParaRPr lang="en-US" dirty="0"/>
           </a:p>
         </p:txBody>
       </p:sp>
@@ -1597,7 +1925,7 @@
           <a:p>
             <a:fld id="{487A7684-DA80-CE42-9228-C7F95CD3DEF1}" type="datetimeFigureOut">
               <a:rPr lang="en-US" smtClean="0"/>
-              <a:t>12/9/17</a:t>
+              <a:t>12/10/17</a:t>
             </a:fld>
             <a:endParaRPr lang="en-US"/>
           </a:p>
@@ -1646,11 +1974,6 @@
         </p:txBody>
       </p:sp>
     </p:spTree>
-    <p:extLst>
-      <p:ext uri="{BB962C8B-B14F-4D97-AF65-F5344CB8AC3E}">
-        <p14:creationId xmlns:p14="http://schemas.microsoft.com/office/powerpoint/2010/main" val="1107843752"/>
-      </p:ext>
-    </p:extLst>
   </p:cSld>
   <p:clrMapOvr>
     <a:masterClrMapping/>
@@ -1677,7 +2000,7 @@
       </p:grpSpPr>
       <p:sp>
         <p:nvSpPr>
-          <p:cNvPr id="2" name="Title 1"/>
+          <p:cNvPr id="10" name="Title 9"/>
           <p:cNvSpPr>
             <a:spLocks noGrp="1"/>
           </p:cNvSpPr>
@@ -1687,8 +2010,8 @@
         </p:nvSpPr>
         <p:spPr>
           <a:xfrm>
-            <a:off x="839788" y="365125"/>
-            <a:ext cx="10515600" cy="1325563"/>
+            <a:off x="1097280" y="286603"/>
+            <a:ext cx="10058400" cy="1450757"/>
           </a:xfrm>
         </p:spPr>
         <p:txBody>
@@ -1699,7 +2022,7 @@
               <a:rPr lang="en-US" smtClean="0"/>
               <a:t>Click to edit Master title style</a:t>
             </a:r>
-            <a:endParaRPr lang="en-US"/>
+            <a:endParaRPr lang="en-US" dirty="0"/>
           </a:p>
         </p:txBody>
       </p:sp>
@@ -1715,16 +2038,22 @@
         </p:nvSpPr>
         <p:spPr>
           <a:xfrm>
-            <a:off x="839788" y="1681163"/>
-            <a:ext cx="5157787" cy="823912"/>
+            <a:off x="1097280" y="1846052"/>
+            <a:ext cx="4937760" cy="736282"/>
           </a:xfrm>
         </p:spPr>
         <p:txBody>
-          <a:bodyPr anchor="b"/>
+          <a:bodyPr lIns="91440" rIns="91440" anchor="ctr">
+            <a:normAutofit/>
+          </a:bodyPr>
           <a:lstStyle>
             <a:lvl1pPr marL="0" indent="0">
               <a:buNone/>
-              <a:defRPr sz="2400" b="1"/>
+              <a:defRPr sz="2000" b="0" cap="all" baseline="0">
+                <a:solidFill>
+                  <a:schemeClr val="tx2"/>
+                </a:solidFill>
+              </a:defRPr>
             </a:lvl1pPr>
             <a:lvl2pPr marL="457200" indent="0">
               <a:buNone/>
@@ -1780,8 +2109,8 @@
         </p:nvSpPr>
         <p:spPr>
           <a:xfrm>
-            <a:off x="839788" y="2505075"/>
-            <a:ext cx="5157787" cy="3684588"/>
+            <a:off x="1097280" y="2582334"/>
+            <a:ext cx="4937760" cy="3378200"/>
           </a:xfrm>
         </p:spPr>
         <p:txBody>
@@ -1821,7 +2150,7 @@
               <a:rPr lang="en-US" smtClean="0"/>
               <a:t>Fifth level</a:t>
             </a:r>
-            <a:endParaRPr lang="en-US"/>
+            <a:endParaRPr lang="en-US" dirty="0"/>
           </a:p>
         </p:txBody>
       </p:sp>
@@ -1837,16 +2166,22 @@
         </p:nvSpPr>
         <p:spPr>
           <a:xfrm>
-            <a:off x="6172200" y="1681163"/>
-            <a:ext cx="5183188" cy="823912"/>
+            <a:off x="6217920" y="1846052"/>
+            <a:ext cx="4937760" cy="736282"/>
           </a:xfrm>
         </p:spPr>
         <p:txBody>
-          <a:bodyPr anchor="b"/>
+          <a:bodyPr lIns="91440" rIns="91440" anchor="ctr">
+            <a:normAutofit/>
+          </a:bodyPr>
           <a:lstStyle>
             <a:lvl1pPr marL="0" indent="0">
               <a:buNone/>
-              <a:defRPr sz="2400" b="1"/>
+              <a:defRPr sz="2000" b="0" cap="all" baseline="0">
+                <a:solidFill>
+                  <a:schemeClr val="tx2"/>
+                </a:solidFill>
+              </a:defRPr>
             </a:lvl1pPr>
             <a:lvl2pPr marL="457200" indent="0">
               <a:buNone/>
@@ -1902,8 +2237,8 @@
         </p:nvSpPr>
         <p:spPr>
           <a:xfrm>
-            <a:off x="6172200" y="2505075"/>
-            <a:ext cx="5183188" cy="3684588"/>
+            <a:off x="6217920" y="2582334"/>
+            <a:ext cx="4937760" cy="3378200"/>
           </a:xfrm>
         </p:spPr>
         <p:txBody>
@@ -1943,7 +2278,7 @@
               <a:rPr lang="en-US" smtClean="0"/>
               <a:t>Fifth level</a:t>
             </a:r>
-            <a:endParaRPr lang="en-US"/>
+            <a:endParaRPr lang="en-US" dirty="0"/>
           </a:p>
         </p:txBody>
       </p:sp>
@@ -1964,7 +2299,7 @@
           <a:p>
             <a:fld id="{487A7684-DA80-CE42-9228-C7F95CD3DEF1}" type="datetimeFigureOut">
               <a:rPr lang="en-US" smtClean="0"/>
-              <a:t>12/9/17</a:t>
+              <a:t>12/10/17</a:t>
             </a:fld>
             <a:endParaRPr lang="en-US"/>
           </a:p>
@@ -2013,11 +2348,6 @@
         </p:txBody>
       </p:sp>
     </p:spTree>
-    <p:extLst>
-      <p:ext uri="{BB962C8B-B14F-4D97-AF65-F5344CB8AC3E}">
-        <p14:creationId xmlns:p14="http://schemas.microsoft.com/office/powerpoint/2010/main" val="846720374"/>
-      </p:ext>
-    </p:extLst>
   </p:cSld>
   <p:clrMapOvr>
     <a:masterClrMapping/>
@@ -2061,7 +2391,7 @@
               <a:rPr lang="en-US" smtClean="0"/>
               <a:t>Click to edit Master title style</a:t>
             </a:r>
-            <a:endParaRPr lang="en-US"/>
+            <a:endParaRPr lang="en-US" dirty="0"/>
           </a:p>
         </p:txBody>
       </p:sp>
@@ -2082,7 +2412,7 @@
           <a:p>
             <a:fld id="{487A7684-DA80-CE42-9228-C7F95CD3DEF1}" type="datetimeFigureOut">
               <a:rPr lang="en-US" smtClean="0"/>
-              <a:t>12/9/17</a:t>
+              <a:t>12/10/17</a:t>
             </a:fld>
             <a:endParaRPr lang="en-US"/>
           </a:p>
@@ -2131,11 +2461,6 @@
         </p:txBody>
       </p:sp>
     </p:spTree>
-    <p:extLst>
-      <p:ext uri="{BB962C8B-B14F-4D97-AF65-F5344CB8AC3E}">
-        <p14:creationId xmlns:p14="http://schemas.microsoft.com/office/powerpoint/2010/main" val="1602680796"/>
-      </p:ext>
-    </p:extLst>
   </p:cSld>
   <p:clrMapOvr>
     <a:masterClrMapping/>
@@ -2144,7 +2469,7 @@
 </file>
 
 <file path=ppt/slideLayouts/slideLayout7.xml><?xml version="1.0" encoding="utf-8"?>
-<p:sldLayout xmlns:a="http://schemas.openxmlformats.org/drawingml/2006/main" xmlns:r="http://schemas.openxmlformats.org/officeDocument/2006/relationships" xmlns:p="http://schemas.openxmlformats.org/presentationml/2006/main" type="blank" preserve="1">
+<p:sldLayout xmlns:a="http://schemas.openxmlformats.org/drawingml/2006/main" xmlns:r="http://schemas.openxmlformats.org/officeDocument/2006/relationships" xmlns:p="http://schemas.openxmlformats.org/presentationml/2006/main" showMasterSp="0" type="blank" preserve="1">
   <p:cSld name="Blank">
     <p:spTree>
       <p:nvGrpSpPr>
@@ -2162,7 +2487,83 @@
       </p:grpSpPr>
       <p:sp>
         <p:nvSpPr>
-          <p:cNvPr id="2" name="Date Placeholder 1"/>
+          <p:cNvPr id="5" name="Rectangle 4"/>
+          <p:cNvSpPr/>
+          <p:nvPr/>
+        </p:nvSpPr>
+        <p:spPr>
+          <a:xfrm>
+            <a:off x="3175" y="6400800"/>
+            <a:ext cx="12188825" cy="457200"/>
+          </a:xfrm>
+          <a:prstGeom prst="rect">
+            <a:avLst/>
+          </a:prstGeom>
+          <a:solidFill>
+            <a:schemeClr val="accent2"/>
+          </a:solidFill>
+          <a:ln>
+            <a:noFill/>
+          </a:ln>
+        </p:spPr>
+        <p:style>
+          <a:lnRef idx="2">
+            <a:schemeClr val="accent1">
+              <a:shade val="50000"/>
+            </a:schemeClr>
+          </a:lnRef>
+          <a:fillRef idx="1">
+            <a:schemeClr val="accent1"/>
+          </a:fillRef>
+          <a:effectRef idx="0">
+            <a:schemeClr val="accent1"/>
+          </a:effectRef>
+          <a:fontRef idx="minor">
+            <a:schemeClr val="lt1"/>
+          </a:fontRef>
+        </p:style>
+      </p:sp>
+      <p:sp>
+        <p:nvSpPr>
+          <p:cNvPr id="6" name="Rectangle 5"/>
+          <p:cNvSpPr/>
+          <p:nvPr/>
+        </p:nvSpPr>
+        <p:spPr>
+          <a:xfrm>
+            <a:off x="15" y="6334316"/>
+            <a:ext cx="12188825" cy="64008"/>
+          </a:xfrm>
+          <a:prstGeom prst="rect">
+            <a:avLst/>
+          </a:prstGeom>
+          <a:solidFill>
+            <a:schemeClr val="accent1"/>
+          </a:solidFill>
+          <a:ln>
+            <a:noFill/>
+          </a:ln>
+        </p:spPr>
+        <p:style>
+          <a:lnRef idx="2">
+            <a:schemeClr val="accent1">
+              <a:shade val="50000"/>
+            </a:schemeClr>
+          </a:lnRef>
+          <a:fillRef idx="1">
+            <a:schemeClr val="accent1"/>
+          </a:fillRef>
+          <a:effectRef idx="0">
+            <a:schemeClr val="accent1"/>
+          </a:effectRef>
+          <a:fontRef idx="minor">
+            <a:schemeClr val="lt1"/>
+          </a:fontRef>
+        </p:style>
+      </p:sp>
+      <p:sp>
+        <p:nvSpPr>
+          <p:cNvPr id="7" name="Date Placeholder 6"/>
           <p:cNvSpPr>
             <a:spLocks noGrp="1"/>
           </p:cNvSpPr>
@@ -2177,7 +2578,7 @@
           <a:p>
             <a:fld id="{487A7684-DA80-CE42-9228-C7F95CD3DEF1}" type="datetimeFigureOut">
               <a:rPr lang="en-US" smtClean="0"/>
-              <a:t>12/9/17</a:t>
+              <a:t>12/10/17</a:t>
             </a:fld>
             <a:endParaRPr lang="en-US"/>
           </a:p>
@@ -2185,7 +2586,7 @@
       </p:sp>
       <p:sp>
         <p:nvSpPr>
-          <p:cNvPr id="3" name="Footer Placeholder 2"/>
+          <p:cNvPr id="8" name="Footer Placeholder 7"/>
           <p:cNvSpPr>
             <a:spLocks noGrp="1"/>
           </p:cNvSpPr>
@@ -2196,7 +2597,15 @@
         <p:spPr/>
         <p:txBody>
           <a:bodyPr/>
-          <a:lstStyle/>
+          <a:lstStyle>
+            <a:lvl1pPr>
+              <a:defRPr>
+                <a:solidFill>
+                  <a:srgbClr val="FFFFFF"/>
+                </a:solidFill>
+              </a:defRPr>
+            </a:lvl1pPr>
+          </a:lstStyle>
           <a:p>
             <a:endParaRPr lang="en-US"/>
           </a:p>
@@ -2204,7 +2613,7 @@
       </p:sp>
       <p:sp>
         <p:nvSpPr>
-          <p:cNvPr id="4" name="Slide Number Placeholder 3"/>
+          <p:cNvPr id="9" name="Slide Number Placeholder 8"/>
           <p:cNvSpPr>
             <a:spLocks noGrp="1"/>
           </p:cNvSpPr>
@@ -2226,11 +2635,6 @@
         </p:txBody>
       </p:sp>
     </p:spTree>
-    <p:extLst>
-      <p:ext uri="{BB962C8B-B14F-4D97-AF65-F5344CB8AC3E}">
-        <p14:creationId xmlns:p14="http://schemas.microsoft.com/office/powerpoint/2010/main" val="368754051"/>
-      </p:ext>
-    </p:extLst>
   </p:cSld>
   <p:clrMapOvr>
     <a:masterClrMapping/>
@@ -2239,7 +2643,7 @@
 </file>
 
 <file path=ppt/slideLayouts/slideLayout8.xml><?xml version="1.0" encoding="utf-8"?>
-<p:sldLayout xmlns:a="http://schemas.openxmlformats.org/drawingml/2006/main" xmlns:r="http://schemas.openxmlformats.org/officeDocument/2006/relationships" xmlns:p="http://schemas.openxmlformats.org/presentationml/2006/main" type="objTx" preserve="1">
+<p:sldLayout xmlns:a="http://schemas.openxmlformats.org/drawingml/2006/main" xmlns:r="http://schemas.openxmlformats.org/officeDocument/2006/relationships" xmlns:p="http://schemas.openxmlformats.org/presentationml/2006/main" showMasterSp="0" type="objTx" preserve="1">
   <p:cSld name="Content with Caption">
     <p:spTree>
       <p:nvGrpSpPr>
@@ -2257,6 +2661,82 @@
       </p:grpSpPr>
       <p:sp>
         <p:nvSpPr>
+          <p:cNvPr id="8" name="Rectangle 7"/>
+          <p:cNvSpPr/>
+          <p:nvPr/>
+        </p:nvSpPr>
+        <p:spPr>
+          <a:xfrm>
+            <a:off x="16" y="0"/>
+            <a:ext cx="4050791" cy="6858000"/>
+          </a:xfrm>
+          <a:prstGeom prst="rect">
+            <a:avLst/>
+          </a:prstGeom>
+          <a:solidFill>
+            <a:schemeClr val="accent2"/>
+          </a:solidFill>
+          <a:ln>
+            <a:noFill/>
+          </a:ln>
+        </p:spPr>
+        <p:style>
+          <a:lnRef idx="2">
+            <a:schemeClr val="accent1">
+              <a:shade val="50000"/>
+            </a:schemeClr>
+          </a:lnRef>
+          <a:fillRef idx="1">
+            <a:schemeClr val="accent1"/>
+          </a:fillRef>
+          <a:effectRef idx="0">
+            <a:schemeClr val="accent1"/>
+          </a:effectRef>
+          <a:fontRef idx="minor">
+            <a:schemeClr val="lt1"/>
+          </a:fontRef>
+        </p:style>
+      </p:sp>
+      <p:sp>
+        <p:nvSpPr>
+          <p:cNvPr id="9" name="Rectangle 8"/>
+          <p:cNvSpPr/>
+          <p:nvPr/>
+        </p:nvSpPr>
+        <p:spPr>
+          <a:xfrm>
+            <a:off x="4040071" y="0"/>
+            <a:ext cx="64008" cy="6858000"/>
+          </a:xfrm>
+          <a:prstGeom prst="rect">
+            <a:avLst/>
+          </a:prstGeom>
+          <a:solidFill>
+            <a:schemeClr val="accent1"/>
+          </a:solidFill>
+          <a:ln>
+            <a:noFill/>
+          </a:ln>
+        </p:spPr>
+        <p:style>
+          <a:lnRef idx="2">
+            <a:schemeClr val="accent1">
+              <a:shade val="50000"/>
+            </a:schemeClr>
+          </a:lnRef>
+          <a:fillRef idx="1">
+            <a:schemeClr val="accent1"/>
+          </a:fillRef>
+          <a:effectRef idx="0">
+            <a:schemeClr val="accent1"/>
+          </a:effectRef>
+          <a:fontRef idx="minor">
+            <a:schemeClr val="lt1"/>
+          </a:fontRef>
+        </p:style>
+      </p:sp>
+      <p:sp>
+        <p:nvSpPr>
           <p:cNvPr id="2" name="Title 1"/>
           <p:cNvSpPr>
             <a:spLocks noGrp="1"/>
@@ -2267,15 +2747,21 @@
         </p:nvSpPr>
         <p:spPr>
           <a:xfrm>
-            <a:off x="839788" y="457200"/>
-            <a:ext cx="3932237" cy="1600200"/>
+            <a:off x="457200" y="594359"/>
+            <a:ext cx="3200400" cy="2286000"/>
           </a:xfrm>
         </p:spPr>
         <p:txBody>
-          <a:bodyPr anchor="b"/>
+          <a:bodyPr anchor="b">
+            <a:normAutofit/>
+          </a:bodyPr>
           <a:lstStyle>
             <a:lvl1pPr>
-              <a:defRPr sz="3200"/>
+              <a:defRPr sz="3600" b="0">
+                <a:solidFill>
+                  <a:srgbClr val="FFFFFF"/>
+                </a:solidFill>
+              </a:defRPr>
             </a:lvl1pPr>
           </a:lstStyle>
           <a:p>
@@ -2283,7 +2769,7 @@
               <a:rPr lang="en-US" smtClean="0"/>
               <a:t>Click to edit Master title style</a:t>
             </a:r>
-            <a:endParaRPr lang="en-US"/>
+            <a:endParaRPr lang="en-US" dirty="0"/>
           </a:p>
         </p:txBody>
       </p:sp>
@@ -2299,41 +2785,13 @@
         </p:nvSpPr>
         <p:spPr>
           <a:xfrm>
-            <a:off x="5183188" y="987425"/>
-            <a:ext cx="6172200" cy="4873625"/>
+            <a:off x="4800600" y="731520"/>
+            <a:ext cx="6492240" cy="5257800"/>
           </a:xfrm>
         </p:spPr>
         <p:txBody>
           <a:bodyPr/>
-          <a:lstStyle>
-            <a:lvl1pPr>
-              <a:defRPr sz="3200"/>
-            </a:lvl1pPr>
-            <a:lvl2pPr>
-              <a:defRPr sz="2800"/>
-            </a:lvl2pPr>
-            <a:lvl3pPr>
-              <a:defRPr sz="2400"/>
-            </a:lvl3pPr>
-            <a:lvl4pPr>
-              <a:defRPr sz="2000"/>
-            </a:lvl4pPr>
-            <a:lvl5pPr>
-              <a:defRPr sz="2000"/>
-            </a:lvl5pPr>
-            <a:lvl6pPr>
-              <a:defRPr sz="2000"/>
-            </a:lvl6pPr>
-            <a:lvl7pPr>
-              <a:defRPr sz="2000"/>
-            </a:lvl7pPr>
-            <a:lvl8pPr>
-              <a:defRPr sz="2000"/>
-            </a:lvl8pPr>
-            <a:lvl9pPr>
-              <a:defRPr sz="2000"/>
-            </a:lvl9pPr>
-          </a:lstStyle>
+          <a:lstStyle/>
           <a:p>
             <a:pPr lvl="0"/>
             <a:r>
@@ -2368,7 +2826,7 @@
               <a:rPr lang="en-US" smtClean="0"/>
               <a:t>Fifth level</a:t>
             </a:r>
-            <a:endParaRPr lang="en-US"/>
+            <a:endParaRPr lang="en-US" dirty="0"/>
           </a:p>
         </p:txBody>
       </p:sp>
@@ -2384,48 +2842,54 @@
         </p:nvSpPr>
         <p:spPr>
           <a:xfrm>
-            <a:off x="839788" y="2057400"/>
-            <a:ext cx="3932237" cy="3811588"/>
+            <a:off x="457200" y="2926080"/>
+            <a:ext cx="3200400" cy="3379124"/>
           </a:xfrm>
         </p:spPr>
         <p:txBody>
-          <a:bodyPr/>
+          <a:bodyPr lIns="91440" rIns="91440">
+            <a:normAutofit/>
+          </a:bodyPr>
           <a:lstStyle>
             <a:lvl1pPr marL="0" indent="0">
               <a:buNone/>
-              <a:defRPr sz="1600"/>
+              <a:defRPr sz="1500">
+                <a:solidFill>
+                  <a:srgbClr val="FFFFFF"/>
+                </a:solidFill>
+              </a:defRPr>
             </a:lvl1pPr>
             <a:lvl2pPr marL="457200" indent="0">
               <a:buNone/>
-              <a:defRPr sz="1400"/>
+              <a:defRPr sz="1200"/>
             </a:lvl2pPr>
             <a:lvl3pPr marL="914400" indent="0">
               <a:buNone/>
-              <a:defRPr sz="1200"/>
+              <a:defRPr sz="1000"/>
             </a:lvl3pPr>
             <a:lvl4pPr marL="1371600" indent="0">
               <a:buNone/>
-              <a:defRPr sz="1000"/>
+              <a:defRPr sz="900"/>
             </a:lvl4pPr>
             <a:lvl5pPr marL="1828800" indent="0">
               <a:buNone/>
-              <a:defRPr sz="1000"/>
+              <a:defRPr sz="900"/>
             </a:lvl5pPr>
             <a:lvl6pPr marL="2286000" indent="0">
               <a:buNone/>
-              <a:defRPr sz="1000"/>
+              <a:defRPr sz="900"/>
             </a:lvl6pPr>
             <a:lvl7pPr marL="2743200" indent="0">
               <a:buNone/>
-              <a:defRPr sz="1000"/>
+              <a:defRPr sz="900"/>
             </a:lvl7pPr>
             <a:lvl8pPr marL="3200400" indent="0">
               <a:buNone/>
-              <a:defRPr sz="1000"/>
+              <a:defRPr sz="900"/>
             </a:lvl8pPr>
             <a:lvl9pPr marL="3657600" indent="0">
               <a:buNone/>
-              <a:defRPr sz="1000"/>
+              <a:defRPr sz="900"/>
             </a:lvl9pPr>
           </a:lstStyle>
           <a:p>
@@ -2447,14 +2911,23 @@
             <p:ph type="dt" sz="half" idx="10"/>
           </p:nvPr>
         </p:nvSpPr>
-        <p:spPr/>
+        <p:spPr>
+          <a:xfrm>
+            <a:off x="465512" y="6459785"/>
+            <a:ext cx="2618510" cy="365125"/>
+          </a:xfrm>
+        </p:spPr>
         <p:txBody>
           <a:bodyPr/>
-          <a:lstStyle/>
+          <a:lstStyle>
+            <a:lvl1pPr algn="l">
+              <a:defRPr/>
+            </a:lvl1pPr>
+          </a:lstStyle>
           <a:p>
             <a:fld id="{487A7684-DA80-CE42-9228-C7F95CD3DEF1}" type="datetimeFigureOut">
               <a:rPr lang="en-US" smtClean="0"/>
-              <a:t>12/9/17</a:t>
+              <a:t>12/10/17</a:t>
             </a:fld>
             <a:endParaRPr lang="en-US"/>
           </a:p>
@@ -2470,10 +2943,23 @@
             <p:ph type="ftr" sz="quarter" idx="11"/>
           </p:nvPr>
         </p:nvSpPr>
-        <p:spPr/>
+        <p:spPr>
+          <a:xfrm>
+            <a:off x="4800600" y="6459785"/>
+            <a:ext cx="4648200" cy="365125"/>
+          </a:xfrm>
+        </p:spPr>
         <p:txBody>
           <a:bodyPr/>
-          <a:lstStyle/>
+          <a:lstStyle>
+            <a:lvl1pPr algn="l">
+              <a:defRPr>
+                <a:solidFill>
+                  <a:schemeClr val="tx2"/>
+                </a:solidFill>
+              </a:defRPr>
+            </a:lvl1pPr>
+          </a:lstStyle>
           <a:p>
             <a:endParaRPr lang="en-US"/>
           </a:p>
@@ -2492,7 +2978,15 @@
         <p:spPr/>
         <p:txBody>
           <a:bodyPr/>
-          <a:lstStyle/>
+          <a:lstStyle>
+            <a:lvl1pPr>
+              <a:defRPr>
+                <a:solidFill>
+                  <a:schemeClr val="tx2"/>
+                </a:solidFill>
+              </a:defRPr>
+            </a:lvl1pPr>
+          </a:lstStyle>
           <a:p>
             <a:fld id="{26E53D17-D5AE-8D41-A413-6583B0DAE7D8}" type="slidenum">
               <a:rPr lang="en-US" smtClean="0"/>
@@ -2503,11 +2997,6 @@
         </p:txBody>
       </p:sp>
     </p:spTree>
-    <p:extLst>
-      <p:ext uri="{BB962C8B-B14F-4D97-AF65-F5344CB8AC3E}">
-        <p14:creationId xmlns:p14="http://schemas.microsoft.com/office/powerpoint/2010/main" val="11529915"/>
-      </p:ext>
-    </p:extLst>
   </p:cSld>
   <p:clrMapOvr>
     <a:masterClrMapping/>
@@ -2516,7 +3005,7 @@
 </file>
 
 <file path=ppt/slideLayouts/slideLayout9.xml><?xml version="1.0" encoding="utf-8"?>
-<p:sldLayout xmlns:a="http://schemas.openxmlformats.org/drawingml/2006/main" xmlns:r="http://schemas.openxmlformats.org/officeDocument/2006/relationships" xmlns:p="http://schemas.openxmlformats.org/presentationml/2006/main" type="picTx" preserve="1">
+<p:sldLayout xmlns:a="http://schemas.openxmlformats.org/drawingml/2006/main" xmlns:r="http://schemas.openxmlformats.org/officeDocument/2006/relationships" xmlns:p="http://schemas.openxmlformats.org/presentationml/2006/main" showMasterSp="0" type="picTx" preserve="1">
   <p:cSld name="Picture with Caption">
     <p:spTree>
       <p:nvGrpSpPr>
@@ -2534,6 +3023,82 @@
       </p:grpSpPr>
       <p:sp>
         <p:nvSpPr>
+          <p:cNvPr id="8" name="Rectangle 7"/>
+          <p:cNvSpPr/>
+          <p:nvPr/>
+        </p:nvSpPr>
+        <p:spPr>
+          <a:xfrm>
+            <a:off x="0" y="4953000"/>
+            <a:ext cx="12188825" cy="1905000"/>
+          </a:xfrm>
+          <a:prstGeom prst="rect">
+            <a:avLst/>
+          </a:prstGeom>
+          <a:solidFill>
+            <a:schemeClr val="accent2"/>
+          </a:solidFill>
+          <a:ln>
+            <a:noFill/>
+          </a:ln>
+        </p:spPr>
+        <p:style>
+          <a:lnRef idx="2">
+            <a:schemeClr val="accent1">
+              <a:shade val="50000"/>
+            </a:schemeClr>
+          </a:lnRef>
+          <a:fillRef idx="1">
+            <a:schemeClr val="accent1"/>
+          </a:fillRef>
+          <a:effectRef idx="0">
+            <a:schemeClr val="accent1"/>
+          </a:effectRef>
+          <a:fontRef idx="minor">
+            <a:schemeClr val="lt1"/>
+          </a:fontRef>
+        </p:style>
+      </p:sp>
+      <p:sp>
+        <p:nvSpPr>
+          <p:cNvPr id="9" name="Rectangle 8"/>
+          <p:cNvSpPr/>
+          <p:nvPr/>
+        </p:nvSpPr>
+        <p:spPr>
+          <a:xfrm>
+            <a:off x="15" y="4915076"/>
+            <a:ext cx="12188825" cy="64008"/>
+          </a:xfrm>
+          <a:prstGeom prst="rect">
+            <a:avLst/>
+          </a:prstGeom>
+          <a:solidFill>
+            <a:schemeClr val="accent1"/>
+          </a:solidFill>
+          <a:ln>
+            <a:noFill/>
+          </a:ln>
+        </p:spPr>
+        <p:style>
+          <a:lnRef idx="2">
+            <a:schemeClr val="accent1">
+              <a:shade val="50000"/>
+            </a:schemeClr>
+          </a:lnRef>
+          <a:fillRef idx="1">
+            <a:schemeClr val="accent1"/>
+          </a:fillRef>
+          <a:effectRef idx="0">
+            <a:schemeClr val="accent1"/>
+          </a:effectRef>
+          <a:fontRef idx="minor">
+            <a:schemeClr val="lt1"/>
+          </a:fontRef>
+        </p:style>
+      </p:sp>
+      <p:sp>
+        <p:nvSpPr>
           <p:cNvPr id="2" name="Title 1"/>
           <p:cNvSpPr>
             <a:spLocks noGrp="1"/>
@@ -2544,15 +3109,21 @@
         </p:nvSpPr>
         <p:spPr>
           <a:xfrm>
-            <a:off x="839788" y="457200"/>
-            <a:ext cx="3932237" cy="1600200"/>
+            <a:off x="1097280" y="5074920"/>
+            <a:ext cx="10113264" cy="822960"/>
           </a:xfrm>
         </p:spPr>
         <p:txBody>
-          <a:bodyPr anchor="b"/>
+          <a:bodyPr lIns="91440" tIns="0" rIns="91440" bIns="0" anchor="b">
+            <a:noAutofit/>
+          </a:bodyPr>
           <a:lstStyle>
             <a:lvl1pPr>
-              <a:defRPr sz="3200"/>
+              <a:defRPr sz="3600" b="0">
+                <a:solidFill>
+                  <a:srgbClr val="FFFFFF"/>
+                </a:solidFill>
+              </a:defRPr>
             </a:lvl1pPr>
           </a:lstStyle>
           <a:p>
@@ -2560,7 +3131,7 @@
               <a:rPr lang="en-US" smtClean="0"/>
               <a:t>Click to edit Master title style</a:t>
             </a:r>
-            <a:endParaRPr lang="en-US"/>
+            <a:endParaRPr lang="en-US" dirty="0"/>
           </a:p>
         </p:txBody>
       </p:sp>
@@ -2568,7 +3139,7 @@
         <p:nvSpPr>
           <p:cNvPr id="3" name="Picture Placeholder 2"/>
           <p:cNvSpPr>
-            <a:spLocks noGrp="1"/>
+            <a:spLocks noGrp="1" noChangeAspect="1"/>
           </p:cNvSpPr>
           <p:nvPr>
             <p:ph type="pic" idx="1"/>
@@ -2576,16 +3147,23 @@
         </p:nvSpPr>
         <p:spPr>
           <a:xfrm>
-            <a:off x="5183188" y="987425"/>
-            <a:ext cx="6172200" cy="4873625"/>
+            <a:off x="15" y="0"/>
+            <a:ext cx="12191985" cy="4915076"/>
           </a:xfrm>
+          <a:solidFill>
+            <a:schemeClr val="accent2"/>
+          </a:solidFill>
         </p:spPr>
         <p:txBody>
-          <a:bodyPr/>
+          <a:bodyPr lIns="457200" tIns="457200" anchor="t"/>
           <a:lstStyle>
             <a:lvl1pPr marL="0" indent="0">
               <a:buNone/>
-              <a:defRPr sz="3200"/>
+              <a:defRPr sz="3200">
+                <a:solidFill>
+                  <a:schemeClr val="bg1"/>
+                </a:solidFill>
+              </a:defRPr>
             </a:lvl1pPr>
             <a:lvl2pPr marL="457200" indent="0">
               <a:buNone/>
@@ -2621,7 +3199,11 @@
             </a:lvl9pPr>
           </a:lstStyle>
           <a:p>
-            <a:endParaRPr lang="en-US"/>
+            <a:r>
+              <a:rPr lang="en-US" smtClean="0"/>
+              <a:t>Drag picture to placeholder or click icon to add</a:t>
+            </a:r>
+            <a:endParaRPr lang="en-US" dirty="0"/>
           </a:p>
         </p:txBody>
       </p:sp>
@@ -2637,48 +3219,60 @@
         </p:nvSpPr>
         <p:spPr>
           <a:xfrm>
-            <a:off x="839788" y="2057400"/>
-            <a:ext cx="3932237" cy="3811588"/>
+            <a:off x="1097280" y="5907023"/>
+            <a:ext cx="10113264" cy="594360"/>
           </a:xfrm>
         </p:spPr>
         <p:txBody>
-          <a:bodyPr/>
+          <a:bodyPr lIns="91440" tIns="0" rIns="91440" bIns="0">
+            <a:normAutofit/>
+          </a:bodyPr>
           <a:lstStyle>
             <a:lvl1pPr marL="0" indent="0">
+              <a:spcBef>
+                <a:spcPts val="0"/>
+              </a:spcBef>
+              <a:spcAft>
+                <a:spcPts val="600"/>
+              </a:spcAft>
               <a:buNone/>
-              <a:defRPr sz="1600"/>
+              <a:defRPr sz="1500">
+                <a:solidFill>
+                  <a:srgbClr val="FFFFFF"/>
+                </a:solidFill>
+              </a:defRPr>
             </a:lvl1pPr>
             <a:lvl2pPr marL="457200" indent="0">
               <a:buNone/>
-              <a:defRPr sz="1400"/>
+              <a:defRPr sz="1200"/>
             </a:lvl2pPr>
             <a:lvl3pPr marL="914400" indent="0">
               <a:buNone/>
-              <a:defRPr sz="1200"/>
+              <a:defRPr sz="1000"/>
             </a:lvl3pPr>
             <a:lvl4pPr marL="1371600" indent="0">
               <a:buNone/>
-              <a:defRPr sz="1000"/>
+              <a:defRPr sz="900"/>
             </a:lvl4pPr>
             <a:lvl5pPr marL="1828800" indent="0">
               <a:buNone/>
-              <a:defRPr sz="1000"/>
+              <a:defRPr sz="900"/>
             </a:lvl5pPr>
             <a:lvl6pPr marL="2286000" indent="0">
               <a:buNone/>
-              <a:defRPr sz="1000"/>
+              <a:defRPr sz="900"/>
             </a:lvl6pPr>
             <a:lvl7pPr marL="2743200" indent="0">
               <a:buNone/>
-              <a:defRPr sz="1000"/>
+              <a:defRPr sz="900"/>
             </a:lvl7pPr>
             <a:lvl8pPr marL="3200400" indent="0">
               <a:buNone/>
-              <a:defRPr sz="1000"/>
+              <a:defRPr sz="900"/>
             </a:lvl8pPr>
             <a:lvl9pPr marL="3657600" indent="0">
               <a:buNone/>
-              <a:defRPr sz="1000"/>
+              <a:defRPr sz="900"/>
             </a:lvl9pPr>
           </a:lstStyle>
           <a:p>
@@ -2707,7 +3301,7 @@
           <a:p>
             <a:fld id="{487A7684-DA80-CE42-9228-C7F95CD3DEF1}" type="datetimeFigureOut">
               <a:rPr lang="en-US" smtClean="0"/>
-              <a:t>12/9/17</a:t>
+              <a:t>12/10/17</a:t>
             </a:fld>
             <a:endParaRPr lang="en-US"/>
           </a:p>
@@ -2756,11 +3350,6 @@
         </p:txBody>
       </p:sp>
     </p:spTree>
-    <p:extLst>
-      <p:ext uri="{BB962C8B-B14F-4D97-AF65-F5344CB8AC3E}">
-        <p14:creationId xmlns:p14="http://schemas.microsoft.com/office/powerpoint/2010/main" val="509753175"/>
-      </p:ext>
-    </p:extLst>
   </p:cSld>
   <p:clrMapOvr>
     <a:masterClrMapping/>
@@ -2792,6 +3381,82 @@
       </p:grpSpPr>
       <p:sp>
         <p:nvSpPr>
+          <p:cNvPr id="7" name="Rectangle 6"/>
+          <p:cNvSpPr/>
+          <p:nvPr/>
+        </p:nvSpPr>
+        <p:spPr>
+          <a:xfrm>
+            <a:off x="1" y="6400800"/>
+            <a:ext cx="12192000" cy="457200"/>
+          </a:xfrm>
+          <a:prstGeom prst="rect">
+            <a:avLst/>
+          </a:prstGeom>
+          <a:solidFill>
+            <a:schemeClr val="accent2"/>
+          </a:solidFill>
+          <a:ln>
+            <a:noFill/>
+          </a:ln>
+        </p:spPr>
+        <p:style>
+          <a:lnRef idx="2">
+            <a:schemeClr val="accent1">
+              <a:shade val="50000"/>
+            </a:schemeClr>
+          </a:lnRef>
+          <a:fillRef idx="1">
+            <a:schemeClr val="accent1"/>
+          </a:fillRef>
+          <a:effectRef idx="0">
+            <a:schemeClr val="accent1"/>
+          </a:effectRef>
+          <a:fontRef idx="minor">
+            <a:schemeClr val="lt1"/>
+          </a:fontRef>
+        </p:style>
+      </p:sp>
+      <p:sp>
+        <p:nvSpPr>
+          <p:cNvPr id="9" name="Rectangle 8"/>
+          <p:cNvSpPr/>
+          <p:nvPr/>
+        </p:nvSpPr>
+        <p:spPr>
+          <a:xfrm>
+            <a:off x="0" y="6334316"/>
+            <a:ext cx="12192001" cy="65998"/>
+          </a:xfrm>
+          <a:prstGeom prst="rect">
+            <a:avLst/>
+          </a:prstGeom>
+          <a:solidFill>
+            <a:schemeClr val="accent1"/>
+          </a:solidFill>
+          <a:ln>
+            <a:noFill/>
+          </a:ln>
+        </p:spPr>
+        <p:style>
+          <a:lnRef idx="2">
+            <a:schemeClr val="accent1">
+              <a:shade val="50000"/>
+            </a:schemeClr>
+          </a:lnRef>
+          <a:fillRef idx="1">
+            <a:schemeClr val="accent1"/>
+          </a:fillRef>
+          <a:effectRef idx="0">
+            <a:schemeClr val="accent1"/>
+          </a:effectRef>
+          <a:fontRef idx="minor">
+            <a:schemeClr val="lt1"/>
+          </a:fontRef>
+        </p:style>
+      </p:sp>
+      <p:sp>
+        <p:nvSpPr>
           <p:cNvPr id="2" name="Title Placeholder 1"/>
           <p:cNvSpPr>
             <a:spLocks noGrp="1"/>
@@ -2802,15 +3467,15 @@
         </p:nvSpPr>
         <p:spPr>
           <a:xfrm>
-            <a:off x="838200" y="365125"/>
-            <a:ext cx="10515600" cy="1325563"/>
+            <a:off x="1097280" y="286603"/>
+            <a:ext cx="10058400" cy="1450757"/>
           </a:xfrm>
           <a:prstGeom prst="rect">
             <a:avLst/>
           </a:prstGeom>
         </p:spPr>
         <p:txBody>
-          <a:bodyPr vert="horz" lIns="91440" tIns="45720" rIns="91440" bIns="45720" rtlCol="0" anchor="ctr">
+          <a:bodyPr vert="horz" lIns="91440" tIns="45720" rIns="91440" bIns="45720" rtlCol="0" anchor="b">
             <a:normAutofit/>
           </a:bodyPr>
           <a:lstStyle/>
@@ -2819,7 +3484,7 @@
               <a:rPr lang="en-US" smtClean="0"/>
               <a:t>Click to edit Master title style</a:t>
             </a:r>
-            <a:endParaRPr lang="en-US"/>
+            <a:endParaRPr lang="en-US" dirty="0"/>
           </a:p>
         </p:txBody>
       </p:sp>
@@ -2835,15 +3500,15 @@
         </p:nvSpPr>
         <p:spPr>
           <a:xfrm>
-            <a:off x="838200" y="1825625"/>
-            <a:ext cx="10515600" cy="4351338"/>
+            <a:off x="1097280" y="1845734"/>
+            <a:ext cx="10058400" cy="4023360"/>
           </a:xfrm>
           <a:prstGeom prst="rect">
             <a:avLst/>
           </a:prstGeom>
         </p:spPr>
         <p:txBody>
-          <a:bodyPr vert="horz" lIns="91440" tIns="45720" rIns="91440" bIns="45720" rtlCol="0">
+          <a:bodyPr vert="horz" lIns="0" tIns="45720" rIns="0" bIns="45720" rtlCol="0">
             <a:normAutofit/>
           </a:bodyPr>
           <a:lstStyle/>
@@ -2881,7 +3546,7 @@
               <a:rPr lang="en-US" smtClean="0"/>
               <a:t>Fifth level</a:t>
             </a:r>
-            <a:endParaRPr lang="en-US"/>
+            <a:endParaRPr lang="en-US" dirty="0"/>
           </a:p>
         </p:txBody>
       </p:sp>
@@ -2897,8 +3562,8 @@
         </p:nvSpPr>
         <p:spPr>
           <a:xfrm>
-            <a:off x="838200" y="6356350"/>
-            <a:ext cx="2743200" cy="365125"/>
+            <a:off x="1097280" y="6459785"/>
+            <a:ext cx="2472271" cy="365125"/>
           </a:xfrm>
           <a:prstGeom prst="rect">
             <a:avLst/>
@@ -2908,11 +3573,9 @@
           <a:bodyPr vert="horz" lIns="91440" tIns="45720" rIns="91440" bIns="45720" rtlCol="0" anchor="ctr"/>
           <a:lstStyle>
             <a:lvl1pPr algn="l">
-              <a:defRPr sz="1200">
+              <a:defRPr sz="900">
                 <a:solidFill>
-                  <a:schemeClr val="tx1">
-                    <a:tint val="75000"/>
-                  </a:schemeClr>
+                  <a:srgbClr val="FFFFFF"/>
                 </a:solidFill>
               </a:defRPr>
             </a:lvl1pPr>
@@ -2920,7 +3583,7 @@
           <a:p>
             <a:fld id="{487A7684-DA80-CE42-9228-C7F95CD3DEF1}" type="datetimeFigureOut">
               <a:rPr lang="en-US" smtClean="0"/>
-              <a:t>12/9/17</a:t>
+              <a:t>12/10/17</a:t>
             </a:fld>
             <a:endParaRPr lang="en-US"/>
           </a:p>
@@ -2938,8 +3601,8 @@
         </p:nvSpPr>
         <p:spPr>
           <a:xfrm>
-            <a:off x="4038600" y="6356350"/>
-            <a:ext cx="4114800" cy="365125"/>
+            <a:off x="3686185" y="6459785"/>
+            <a:ext cx="4822804" cy="365125"/>
           </a:xfrm>
           <a:prstGeom prst="rect">
             <a:avLst/>
@@ -2949,11 +3612,9 @@
           <a:bodyPr vert="horz" lIns="91440" tIns="45720" rIns="91440" bIns="45720" rtlCol="0" anchor="ctr"/>
           <a:lstStyle>
             <a:lvl1pPr algn="ctr">
-              <a:defRPr sz="1200">
+              <a:defRPr sz="900" cap="all" baseline="0">
                 <a:solidFill>
-                  <a:schemeClr val="tx1">
-                    <a:tint val="75000"/>
-                  </a:schemeClr>
+                  <a:srgbClr val="FFFFFF"/>
                 </a:solidFill>
               </a:defRPr>
             </a:lvl1pPr>
@@ -2975,8 +3636,8 @@
         </p:nvSpPr>
         <p:spPr>
           <a:xfrm>
-            <a:off x="8610600" y="6356350"/>
-            <a:ext cx="2743200" cy="365125"/>
+            <a:off x="9900458" y="6459785"/>
+            <a:ext cx="1312025" cy="365125"/>
           </a:xfrm>
           <a:prstGeom prst="rect">
             <a:avLst/>
@@ -2986,11 +3647,9 @@
           <a:bodyPr vert="horz" lIns="91440" tIns="45720" rIns="91440" bIns="45720" rtlCol="0" anchor="ctr"/>
           <a:lstStyle>
             <a:lvl1pPr algn="r">
-              <a:defRPr sz="1200">
+              <a:defRPr sz="1050">
                 <a:solidFill>
-                  <a:schemeClr val="tx1">
-                    <a:tint val="75000"/>
-                  </a:schemeClr>
+                  <a:srgbClr val="FFFFFF"/>
                 </a:solidFill>
               </a:defRPr>
             </a:lvl1pPr>
@@ -3004,40 +3663,81 @@
           </a:p>
         </p:txBody>
       </p:sp>
+      <p:cxnSp>
+        <p:nvCxnSpPr>
+          <p:cNvPr id="10" name="Straight Connector 9"/>
+          <p:cNvCxnSpPr/>
+          <p:nvPr/>
+        </p:nvCxnSpPr>
+        <p:spPr>
+          <a:xfrm>
+            <a:off x="1193532" y="1737845"/>
+            <a:ext cx="9966960" cy="0"/>
+          </a:xfrm>
+          <a:prstGeom prst="line">
+            <a:avLst/>
+          </a:prstGeom>
+          <a:ln w="6350">
+            <a:solidFill>
+              <a:schemeClr val="tx1">
+                <a:lumMod val="50000"/>
+                <a:lumOff val="50000"/>
+              </a:schemeClr>
+            </a:solidFill>
+          </a:ln>
+        </p:spPr>
+        <p:style>
+          <a:lnRef idx="1">
+            <a:schemeClr val="accent1"/>
+          </a:lnRef>
+          <a:fillRef idx="0">
+            <a:schemeClr val="accent1"/>
+          </a:fillRef>
+          <a:effectRef idx="0">
+            <a:schemeClr val="accent1"/>
+          </a:effectRef>
+          <a:fontRef idx="minor">
+            <a:schemeClr val="tx1"/>
+          </a:fontRef>
+        </p:style>
+      </p:cxnSp>
     </p:spTree>
     <p:extLst>
       <p:ext uri="{BB962C8B-B14F-4D97-AF65-F5344CB8AC3E}">
-        <p14:creationId xmlns:p14="http://schemas.microsoft.com/office/powerpoint/2010/main" val="1233805520"/>
+        <p14:creationId xmlns:p14="http://schemas.microsoft.com/office/powerpoint/2010/main" val="1948277511"/>
       </p:ext>
     </p:extLst>
   </p:cSld>
   <p:clrMap bg1="lt1" tx1="dk1" bg2="lt2" tx2="dk2" accent1="accent1" accent2="accent2" accent3="accent3" accent4="accent4" accent5="accent5" accent6="accent6" hlink="hlink" folHlink="folHlink"/>
   <p:sldLayoutIdLst>
-    <p:sldLayoutId id="2147483649" r:id="rId1"/>
-    <p:sldLayoutId id="2147483650" r:id="rId2"/>
-    <p:sldLayoutId id="2147483651" r:id="rId3"/>
-    <p:sldLayoutId id="2147483652" r:id="rId4"/>
-    <p:sldLayoutId id="2147483653" r:id="rId5"/>
-    <p:sldLayoutId id="2147483654" r:id="rId6"/>
-    <p:sldLayoutId id="2147483655" r:id="rId7"/>
-    <p:sldLayoutId id="2147483656" r:id="rId8"/>
-    <p:sldLayoutId id="2147483657" r:id="rId9"/>
-    <p:sldLayoutId id="2147483658" r:id="rId10"/>
-    <p:sldLayoutId id="2147483659" r:id="rId11"/>
+    <p:sldLayoutId id="2147483750" r:id="rId1"/>
+    <p:sldLayoutId id="2147483751" r:id="rId2"/>
+    <p:sldLayoutId id="2147483752" r:id="rId3"/>
+    <p:sldLayoutId id="2147483753" r:id="rId4"/>
+    <p:sldLayoutId id="2147483754" r:id="rId5"/>
+    <p:sldLayoutId id="2147483755" r:id="rId6"/>
+    <p:sldLayoutId id="2147483756" r:id="rId7"/>
+    <p:sldLayoutId id="2147483757" r:id="rId8"/>
+    <p:sldLayoutId id="2147483758" r:id="rId9"/>
+    <p:sldLayoutId id="2147483759" r:id="rId10"/>
+    <p:sldLayoutId id="2147483760" r:id="rId11"/>
   </p:sldLayoutIdLst>
   <p:txStyles>
     <p:titleStyle>
       <a:lvl1pPr algn="l" defTabSz="914400" rtl="0" eaLnBrk="1" latinLnBrk="0" hangingPunct="1">
         <a:lnSpc>
-          <a:spcPct val="90000"/>
+          <a:spcPct val="85000"/>
         </a:lnSpc>
         <a:spcBef>
           <a:spcPct val="0"/>
         </a:spcBef>
         <a:buNone/>
-        <a:defRPr sz="4400" kern="1200">
+        <a:defRPr sz="4800" kern="1200" spc="-50" baseline="0">
           <a:solidFill>
-            <a:schemeClr val="tx1"/>
+            <a:schemeClr val="tx1">
+              <a:lumMod val="75000"/>
+              <a:lumOff val="25000"/>
+            </a:schemeClr>
           </a:solidFill>
           <a:latin typeface="+mj-lt"/>
           <a:ea typeface="+mj-ea"/>
@@ -3046,162 +3746,244 @@
       </a:lvl1pPr>
     </p:titleStyle>
     <p:bodyStyle>
-      <a:lvl1pPr marL="228600" indent="-228600" algn="l" defTabSz="914400" rtl="0" eaLnBrk="1" latinLnBrk="0" hangingPunct="1">
+      <a:lvl1pPr marL="91440" indent="-91440" algn="l" defTabSz="914400" rtl="0" eaLnBrk="1" latinLnBrk="0" hangingPunct="1">
         <a:lnSpc>
           <a:spcPct val="90000"/>
         </a:lnSpc>
         <a:spcBef>
-          <a:spcPts val="1000"/>
+          <a:spcPts val="1200"/>
         </a:spcBef>
-        <a:buFont typeface="Arial"/>
-        <a:buChar char="•"/>
-        <a:defRPr sz="2800" kern="1200">
+        <a:spcAft>
+          <a:spcPts val="200"/>
+        </a:spcAft>
+        <a:buClr>
+          <a:schemeClr val="accent1"/>
+        </a:buClr>
+        <a:buSzPct val="100000"/>
+        <a:buFont typeface="Calibri" panose="020F0502020204030204" pitchFamily="34" charset="0"/>
+        <a:buChar char=" "/>
+        <a:defRPr sz="2000" kern="1200">
           <a:solidFill>
-            <a:schemeClr val="tx1"/>
+            <a:schemeClr val="tx1">
+              <a:lumMod val="75000"/>
+              <a:lumOff val="25000"/>
+            </a:schemeClr>
           </a:solidFill>
           <a:latin typeface="+mn-lt"/>
           <a:ea typeface="+mn-ea"/>
           <a:cs typeface="+mn-cs"/>
         </a:defRPr>
       </a:lvl1pPr>
-      <a:lvl2pPr marL="685800" indent="-228600" algn="l" defTabSz="914400" rtl="0" eaLnBrk="1" latinLnBrk="0" hangingPunct="1">
+      <a:lvl2pPr marL="384048" indent="-182880" algn="l" defTabSz="914400" rtl="0" eaLnBrk="1" latinLnBrk="0" hangingPunct="1">
         <a:lnSpc>
           <a:spcPct val="90000"/>
         </a:lnSpc>
         <a:spcBef>
-          <a:spcPts val="500"/>
+          <a:spcPts val="200"/>
         </a:spcBef>
-        <a:buFont typeface="Arial"/>
-        <a:buChar char="•"/>
-        <a:defRPr sz="2400" kern="1200">
+        <a:spcAft>
+          <a:spcPts val="400"/>
+        </a:spcAft>
+        <a:buClr>
+          <a:schemeClr val="accent1"/>
+        </a:buClr>
+        <a:buFont typeface="Calibri" pitchFamily="34" charset="0"/>
+        <a:buChar char="◦"/>
+        <a:defRPr sz="1800" kern="1200">
           <a:solidFill>
-            <a:schemeClr val="tx1"/>
+            <a:schemeClr val="tx1">
+              <a:lumMod val="75000"/>
+              <a:lumOff val="25000"/>
+            </a:schemeClr>
           </a:solidFill>
           <a:latin typeface="+mn-lt"/>
           <a:ea typeface="+mn-ea"/>
           <a:cs typeface="+mn-cs"/>
         </a:defRPr>
       </a:lvl2pPr>
-      <a:lvl3pPr marL="1143000" indent="-228600" algn="l" defTabSz="914400" rtl="0" eaLnBrk="1" latinLnBrk="0" hangingPunct="1">
+      <a:lvl3pPr marL="566928" indent="-182880" algn="l" defTabSz="914400" rtl="0" eaLnBrk="1" latinLnBrk="0" hangingPunct="1">
         <a:lnSpc>
           <a:spcPct val="90000"/>
         </a:lnSpc>
         <a:spcBef>
-          <a:spcPts val="500"/>
+          <a:spcPts val="200"/>
         </a:spcBef>
-        <a:buFont typeface="Arial"/>
-        <a:buChar char="•"/>
-        <a:defRPr sz="2000" kern="1200">
+        <a:spcAft>
+          <a:spcPts val="400"/>
+        </a:spcAft>
+        <a:buClr>
+          <a:schemeClr val="accent1"/>
+        </a:buClr>
+        <a:buFont typeface="Calibri" pitchFamily="34" charset="0"/>
+        <a:buChar char="◦"/>
+        <a:defRPr sz="1400" kern="1200">
           <a:solidFill>
-            <a:schemeClr val="tx1"/>
+            <a:schemeClr val="tx1">
+              <a:lumMod val="75000"/>
+              <a:lumOff val="25000"/>
+            </a:schemeClr>
           </a:solidFill>
           <a:latin typeface="+mn-lt"/>
           <a:ea typeface="+mn-ea"/>
           <a:cs typeface="+mn-cs"/>
         </a:defRPr>
       </a:lvl3pPr>
-      <a:lvl4pPr marL="1600200" indent="-228600" algn="l" defTabSz="914400" rtl="0" eaLnBrk="1" latinLnBrk="0" hangingPunct="1">
+      <a:lvl4pPr marL="749808" indent="-182880" algn="l" defTabSz="914400" rtl="0" eaLnBrk="1" latinLnBrk="0" hangingPunct="1">
         <a:lnSpc>
           <a:spcPct val="90000"/>
         </a:lnSpc>
         <a:spcBef>
-          <a:spcPts val="500"/>
+          <a:spcPts val="200"/>
         </a:spcBef>
-        <a:buFont typeface="Arial"/>
-        <a:buChar char="•"/>
-        <a:defRPr sz="1800" kern="1200">
+        <a:spcAft>
+          <a:spcPts val="400"/>
+        </a:spcAft>
+        <a:buClr>
+          <a:schemeClr val="accent1"/>
+        </a:buClr>
+        <a:buFont typeface="Calibri" pitchFamily="34" charset="0"/>
+        <a:buChar char="◦"/>
+        <a:defRPr sz="1400" kern="1200">
           <a:solidFill>
-            <a:schemeClr val="tx1"/>
+            <a:schemeClr val="tx1">
+              <a:lumMod val="75000"/>
+              <a:lumOff val="25000"/>
+            </a:schemeClr>
           </a:solidFill>
           <a:latin typeface="+mn-lt"/>
           <a:ea typeface="+mn-ea"/>
           <a:cs typeface="+mn-cs"/>
         </a:defRPr>
       </a:lvl4pPr>
-      <a:lvl5pPr marL="2057400" indent="-228600" algn="l" defTabSz="914400" rtl="0" eaLnBrk="1" latinLnBrk="0" hangingPunct="1">
+      <a:lvl5pPr marL="932688" indent="-182880" algn="l" defTabSz="914400" rtl="0" eaLnBrk="1" latinLnBrk="0" hangingPunct="1">
         <a:lnSpc>
           <a:spcPct val="90000"/>
         </a:lnSpc>
         <a:spcBef>
-          <a:spcPts val="500"/>
+          <a:spcPts val="200"/>
         </a:spcBef>
-        <a:buFont typeface="Arial"/>
-        <a:buChar char="•"/>
-        <a:defRPr sz="1800" kern="1200">
+        <a:spcAft>
+          <a:spcPts val="400"/>
+        </a:spcAft>
+        <a:buClr>
+          <a:schemeClr val="accent1"/>
+        </a:buClr>
+        <a:buFont typeface="Calibri" pitchFamily="34" charset="0"/>
+        <a:buChar char="◦"/>
+        <a:defRPr sz="1400" kern="1200">
           <a:solidFill>
-            <a:schemeClr val="tx1"/>
+            <a:schemeClr val="tx1">
+              <a:lumMod val="75000"/>
+              <a:lumOff val="25000"/>
+            </a:schemeClr>
           </a:solidFill>
           <a:latin typeface="+mn-lt"/>
           <a:ea typeface="+mn-ea"/>
           <a:cs typeface="+mn-cs"/>
         </a:defRPr>
       </a:lvl5pPr>
-      <a:lvl6pPr marL="2514600" indent="-228600" algn="l" defTabSz="914400" rtl="0" eaLnBrk="1" latinLnBrk="0" hangingPunct="1">
+      <a:lvl6pPr marL="1100000" indent="-228600" algn="l" defTabSz="914400" rtl="0" eaLnBrk="1" latinLnBrk="0" hangingPunct="1">
         <a:lnSpc>
           <a:spcPct val="90000"/>
         </a:lnSpc>
         <a:spcBef>
-          <a:spcPts val="500"/>
+          <a:spcPts val="200"/>
         </a:spcBef>
-        <a:buFont typeface="Arial"/>
-        <a:buChar char="•"/>
-        <a:defRPr sz="1800" kern="1200">
+        <a:spcAft>
+          <a:spcPts val="400"/>
+        </a:spcAft>
+        <a:buClr>
+          <a:schemeClr val="accent1"/>
+        </a:buClr>
+        <a:buFont typeface="Calibri" pitchFamily="34" charset="0"/>
+        <a:buChar char="◦"/>
+        <a:defRPr sz="1400" kern="1200">
           <a:solidFill>
-            <a:schemeClr val="tx1"/>
+            <a:schemeClr val="tx1">
+              <a:lumMod val="75000"/>
+              <a:lumOff val="25000"/>
+            </a:schemeClr>
           </a:solidFill>
           <a:latin typeface="+mn-lt"/>
           <a:ea typeface="+mn-ea"/>
           <a:cs typeface="+mn-cs"/>
         </a:defRPr>
       </a:lvl6pPr>
-      <a:lvl7pPr marL="2971800" indent="-228600" algn="l" defTabSz="914400" rtl="0" eaLnBrk="1" latinLnBrk="0" hangingPunct="1">
+      <a:lvl7pPr marL="1300000" indent="-228600" algn="l" defTabSz="914400" rtl="0" eaLnBrk="1" latinLnBrk="0" hangingPunct="1">
         <a:lnSpc>
           <a:spcPct val="90000"/>
         </a:lnSpc>
         <a:spcBef>
-          <a:spcPts val="500"/>
+          <a:spcPts val="200"/>
         </a:spcBef>
-        <a:buFont typeface="Arial"/>
-        <a:buChar char="•"/>
-        <a:defRPr sz="1800" kern="1200">
+        <a:spcAft>
+          <a:spcPts val="400"/>
+        </a:spcAft>
+        <a:buClr>
+          <a:schemeClr val="accent1"/>
+        </a:buClr>
+        <a:buFont typeface="Calibri" pitchFamily="34" charset="0"/>
+        <a:buChar char="◦"/>
+        <a:defRPr sz="1400" kern="1200">
           <a:solidFill>
-            <a:schemeClr val="tx1"/>
+            <a:schemeClr val="tx1">
+              <a:lumMod val="75000"/>
+              <a:lumOff val="25000"/>
+            </a:schemeClr>
           </a:solidFill>
           <a:latin typeface="+mn-lt"/>
           <a:ea typeface="+mn-ea"/>
           <a:cs typeface="+mn-cs"/>
         </a:defRPr>
       </a:lvl7pPr>
-      <a:lvl8pPr marL="3429000" indent="-228600" algn="l" defTabSz="914400" rtl="0" eaLnBrk="1" latinLnBrk="0" hangingPunct="1">
+      <a:lvl8pPr marL="1500000" indent="-228600" algn="l" defTabSz="914400" rtl="0" eaLnBrk="1" latinLnBrk="0" hangingPunct="1">
         <a:lnSpc>
           <a:spcPct val="90000"/>
         </a:lnSpc>
         <a:spcBef>
-          <a:spcPts val="500"/>
+          <a:spcPts val="200"/>
         </a:spcBef>
-        <a:buFont typeface="Arial"/>
-        <a:buChar char="•"/>
-        <a:defRPr sz="1800" kern="1200">
+        <a:spcAft>
+          <a:spcPts val="400"/>
+        </a:spcAft>
+        <a:buClr>
+          <a:schemeClr val="accent1"/>
+        </a:buClr>
+        <a:buFont typeface="Calibri" pitchFamily="34" charset="0"/>
+        <a:buChar char="◦"/>
+        <a:defRPr sz="1400" kern="1200">
           <a:solidFill>
-            <a:schemeClr val="tx1"/>
+            <a:schemeClr val="tx1">
+              <a:lumMod val="75000"/>
+              <a:lumOff val="25000"/>
+            </a:schemeClr>
           </a:solidFill>
           <a:latin typeface="+mn-lt"/>
           <a:ea typeface="+mn-ea"/>
           <a:cs typeface="+mn-cs"/>
         </a:defRPr>
       </a:lvl8pPr>
-      <a:lvl9pPr marL="3886200" indent="-228600" algn="l" defTabSz="914400" rtl="0" eaLnBrk="1" latinLnBrk="0" hangingPunct="1">
+      <a:lvl9pPr marL="1700000" indent="-228600" algn="l" defTabSz="914400" rtl="0" eaLnBrk="1" latinLnBrk="0" hangingPunct="1">
         <a:lnSpc>
           <a:spcPct val="90000"/>
         </a:lnSpc>
         <a:spcBef>
-          <a:spcPts val="500"/>
+          <a:spcPts val="200"/>
         </a:spcBef>
-        <a:buFont typeface="Arial"/>
-        <a:buChar char="•"/>
-        <a:defRPr sz="1800" kern="1200">
+        <a:spcAft>
+          <a:spcPts val="400"/>
+        </a:spcAft>
+        <a:buClr>
+          <a:schemeClr val="accent1"/>
+        </a:buClr>
+        <a:buFont typeface="Calibri" pitchFamily="34" charset="0"/>
+        <a:buChar char="◦"/>
+        <a:defRPr sz="1400" kern="1200">
           <a:solidFill>
-            <a:schemeClr val="tx1"/>
+            <a:schemeClr val="tx1">
+              <a:lumMod val="75000"/>
+              <a:lumOff val="25000"/>
+            </a:schemeClr>
           </a:solidFill>
           <a:latin typeface="+mn-lt"/>
           <a:ea typeface="+mn-ea"/>
@@ -3305,6 +4087,11 @@
       </a:lvl9pPr>
     </p:otherStyle>
   </p:txStyles>
+  <p:extLst>
+    <p:ext uri="{27BBF7A9-308A-43DC-89C8-2F10F3537804}">
+      <p15:sldGuideLst xmlns:p15="http://schemas.microsoft.com/office/powerpoint/2012/main"/>
+    </p:ext>
+  </p:extLst>
 </p:sldMaster>
 </file>
 
@@ -3334,14 +4121,14 @@
           <p:nvPr>
             <p:extLst>
               <p:ext uri="{D42A27DB-BD31-4B8C-83A1-F6EECF244321}">
-                <p14:modId xmlns:p14="http://schemas.microsoft.com/office/powerpoint/2010/main" val="1086950705"/>
+                <p14:modId xmlns:p14="http://schemas.microsoft.com/office/powerpoint/2010/main" val="407363723"/>
               </p:ext>
             </p:extLst>
           </p:nvPr>
         </p:nvGraphicFramePr>
         <p:xfrm>
-          <a:off x="2119683" y="1265129"/>
-          <a:ext cx="8125218" cy="4206240"/>
+          <a:off x="2282521" y="450937"/>
+          <a:ext cx="8125218" cy="3835400"/>
         </p:xfrm>
         <a:graphic>
           <a:graphicData uri="http://schemas.openxmlformats.org/drawingml/2006/table">
@@ -3436,7 +4223,7 @@
                     <a:p>
                       <a:pPr algn="ctr"/>
                       <a:r>
-                        <a:rPr lang="zh-CN" altLang="en-US" sz="2000" b="1" dirty="0" smtClean="0"/>
+                        <a:rPr lang="zh-CN" altLang="en-US" sz="2000" dirty="0" smtClean="0"/>
                         <a:t>字段</a:t>
                       </a:r>
                       <a:endParaRPr lang="en-US" sz="2000" b="1" dirty="0"/>
@@ -3451,7 +4238,7 @@
                     <a:p>
                       <a:pPr algn="ctr"/>
                       <a:r>
-                        <a:rPr lang="zh-CN" altLang="en-US" sz="2000" b="1" dirty="0" smtClean="0"/>
+                        <a:rPr lang="zh-CN" altLang="en-US" sz="2000" dirty="0" smtClean="0"/>
                         <a:t>类型</a:t>
                       </a:r>
                       <a:endParaRPr lang="en-US" sz="2000" b="1" dirty="0"/>
@@ -3466,7 +4253,7 @@
                     <a:p>
                       <a:pPr algn="ctr"/>
                       <a:r>
-                        <a:rPr lang="zh-CN" altLang="en-US" sz="2000" b="1" dirty="0" smtClean="0"/>
+                        <a:rPr lang="zh-CN" altLang="en-US" sz="2000" dirty="0" smtClean="0"/>
                         <a:t>长度</a:t>
                       </a:r>
                       <a:endParaRPr lang="en-US" sz="2000" b="1" dirty="0"/>
@@ -3481,7 +4268,7 @@
                     <a:p>
                       <a:pPr algn="ctr"/>
                       <a:r>
-                        <a:rPr lang="zh-CN" altLang="en-US" sz="2000" b="1" dirty="0" smtClean="0"/>
+                        <a:rPr lang="zh-CN" altLang="en-US" sz="2000" dirty="0" smtClean="0"/>
                         <a:t>主键</a:t>
                       </a:r>
                       <a:endParaRPr lang="en-US" sz="2000" b="1" dirty="0"/>
@@ -3496,11 +4283,11 @@
                     <a:p>
                       <a:pPr algn="ctr"/>
                       <a:r>
-                        <a:rPr lang="zh-CN" altLang="en-US" sz="2000" b="1" dirty="0" smtClean="0"/>
+                        <a:rPr lang="zh-CN" altLang="en-US" sz="2000" dirty="0" smtClean="0"/>
                         <a:t>允许</a:t>
                       </a:r>
                       <a:r>
-                        <a:rPr lang="en-US" altLang="zh-CN" sz="2000" b="1" dirty="0" smtClean="0"/>
+                        <a:rPr lang="en-US" altLang="zh-CN" sz="2000" dirty="0" smtClean="0"/>
                         <a:t>NULL</a:t>
                       </a:r>
                       <a:endParaRPr lang="en-US" sz="2000" b="1" dirty="0"/>
@@ -3515,7 +4302,7 @@
                     <a:p>
                       <a:pPr algn="ctr"/>
                       <a:r>
-                        <a:rPr lang="zh-CN" altLang="en-US" sz="2000" b="1" dirty="0" smtClean="0"/>
+                        <a:rPr lang="zh-CN" altLang="en-US" sz="2000" dirty="0" smtClean="0"/>
                         <a:t>说明</a:t>
                       </a:r>
                       <a:endParaRPr lang="en-US" sz="2000" b="1" dirty="0"/>
@@ -4216,110 +5003,7 @@
                         <a:defRPr/>
                       </a:pPr>
                       <a:r>
-                        <a:rPr lang="en-US" sz="1800" b="0" dirty="0" smtClean="0"/>
-                        <a:t>status</a:t>
-                      </a:r>
-                    </a:p>
-                  </a:txBody>
-                  <a:tcPr/>
-                </a:tc>
-                <a:tc>
-                  <a:txBody>
-                    <a:bodyPr/>
-                    <a:lstStyle/>
-                    <a:p>
-                      <a:pPr algn="ctr"/>
-                      <a:r>
-                        <a:rPr lang="en-US" dirty="0" smtClean="0"/>
-                        <a:t>char</a:t>
-                      </a:r>
-                      <a:endParaRPr lang="en-US" dirty="0"/>
-                    </a:p>
-                  </a:txBody>
-                  <a:tcPr/>
-                </a:tc>
-                <a:tc>
-                  <a:txBody>
-                    <a:bodyPr/>
-                    <a:lstStyle/>
-                    <a:p>
-                      <a:pPr algn="ctr"/>
-                      <a:r>
-                        <a:rPr lang="en-US" dirty="0" smtClean="0"/>
-                        <a:t>2</a:t>
-                      </a:r>
-                      <a:endParaRPr lang="en-US" dirty="0"/>
-                    </a:p>
-                  </a:txBody>
-                  <a:tcPr/>
-                </a:tc>
-                <a:tc>
-                  <a:txBody>
-                    <a:bodyPr/>
-                    <a:lstStyle/>
-                    <a:p>
-                      <a:pPr algn="ctr"/>
-                      <a:endParaRPr lang="en-US" dirty="0"/>
-                    </a:p>
-                  </a:txBody>
-                  <a:tcPr/>
-                </a:tc>
-                <a:tc>
-                  <a:txBody>
-                    <a:bodyPr/>
-                    <a:lstStyle/>
-                    <a:p>
-                      <a:pPr algn="ctr"/>
-                      <a:r>
-                        <a:rPr lang="en-US" dirty="0" smtClean="0"/>
-                        <a:t>N</a:t>
-                      </a:r>
-                      <a:endParaRPr lang="en-US" dirty="0"/>
-                    </a:p>
-                  </a:txBody>
-                  <a:tcPr/>
-                </a:tc>
-                <a:tc>
-                  <a:txBody>
-                    <a:bodyPr/>
-                    <a:lstStyle/>
-                    <a:p>
-                      <a:pPr algn="ctr"/>
-                      <a:r>
-                        <a:rPr lang="zh-CN" altLang="en-US" dirty="0" smtClean="0"/>
-                        <a:t>推送与否</a:t>
-                      </a:r>
-                      <a:endParaRPr lang="en-US" dirty="0"/>
-                    </a:p>
-                  </a:txBody>
-                  <a:tcPr/>
-                </a:tc>
-              </a:tr>
-              <a:tr h="370840">
-                <a:tc>
-                  <a:txBody>
-                    <a:bodyPr/>
-                    <a:lstStyle/>
-                    <a:p>
-                      <a:pPr marL="0" marR="0" indent="0" algn="ctr" defTabSz="914400" rtl="0" eaLnBrk="1" fontAlgn="auto" latinLnBrk="0" hangingPunct="1">
-                        <a:lnSpc>
-                          <a:spcPct val="100000"/>
-                        </a:lnSpc>
-                        <a:spcBef>
-                          <a:spcPts val="0"/>
-                        </a:spcBef>
-                        <a:spcAft>
-                          <a:spcPts val="0"/>
-                        </a:spcAft>
-                        <a:buClrTx/>
-                        <a:buSzTx/>
-                        <a:buFontTx/>
-                        <a:buNone/>
-                        <a:tabLst/>
-                        <a:defRPr/>
-                      </a:pPr>
-                      <a:r>
-                        <a:rPr lang="en-US" sz="1800" b="0" dirty="0" err="1" smtClean="0"/>
+                        <a:rPr lang="en-US" sz="1800" dirty="0" err="1" smtClean="0"/>
                         <a:t>regtime</a:t>
                       </a:r>
                       <a:endParaRPr lang="en-US" sz="1800" b="0" dirty="0" smtClean="0"/>
@@ -4434,14 +5118,14 @@
           <p:nvPr>
             <p:extLst>
               <p:ext uri="{D42A27DB-BD31-4B8C-83A1-F6EECF244321}">
-                <p14:modId xmlns:p14="http://schemas.microsoft.com/office/powerpoint/2010/main" val="2132469137"/>
+                <p14:modId xmlns:p14="http://schemas.microsoft.com/office/powerpoint/2010/main" val="570371684"/>
               </p:ext>
             </p:extLst>
           </p:nvPr>
         </p:nvGraphicFramePr>
         <p:xfrm>
           <a:off x="1881688" y="1703540"/>
-          <a:ext cx="8125218" cy="1610360"/>
+          <a:ext cx="8125218" cy="2352040"/>
         </p:xfrm>
         <a:graphic>
           <a:graphicData uri="http://schemas.openxmlformats.org/drawingml/2006/table">
@@ -4619,6 +5303,114 @@
                         <a:t>说明</a:t>
                       </a:r>
                       <a:endParaRPr lang="en-US" sz="2000" b="1" dirty="0"/>
+                    </a:p>
+                  </a:txBody>
+                  <a:tcPr/>
+                </a:tc>
+              </a:tr>
+              <a:tr h="370840">
+                <a:tc>
+                  <a:txBody>
+                    <a:bodyPr/>
+                    <a:lstStyle/>
+                    <a:p>
+                      <a:pPr algn="ctr"/>
+                      <a:r>
+                        <a:rPr lang="en-US" dirty="0" smtClean="0"/>
+                        <a:t>id</a:t>
+                      </a:r>
+                      <a:endParaRPr lang="en-US" dirty="0"/>
+                    </a:p>
+                  </a:txBody>
+                  <a:tcPr/>
+                </a:tc>
+                <a:tc>
+                  <a:txBody>
+                    <a:bodyPr/>
+                    <a:lstStyle/>
+                    <a:p>
+                      <a:pPr algn="ctr"/>
+                      <a:r>
+                        <a:rPr lang="en-US" dirty="0" err="1" smtClean="0"/>
+                        <a:t>int</a:t>
+                      </a:r>
+                      <a:endParaRPr lang="en-US" dirty="0"/>
+                    </a:p>
+                  </a:txBody>
+                  <a:tcPr/>
+                </a:tc>
+                <a:tc>
+                  <a:txBody>
+                    <a:bodyPr/>
+                    <a:lstStyle/>
+                    <a:p>
+                      <a:pPr algn="ctr"/>
+                      <a:r>
+                        <a:rPr lang="en-US" dirty="0" smtClean="0"/>
+                        <a:t>8</a:t>
+                      </a:r>
+                      <a:endParaRPr lang="en-US" dirty="0"/>
+                    </a:p>
+                  </a:txBody>
+                  <a:tcPr/>
+                </a:tc>
+                <a:tc>
+                  <a:txBody>
+                    <a:bodyPr/>
+                    <a:lstStyle/>
+                    <a:p>
+                      <a:pPr marL="0" marR="0" indent="0" algn="ctr" defTabSz="914400" rtl="0" eaLnBrk="1" fontAlgn="auto" latinLnBrk="0" hangingPunct="1">
+                        <a:lnSpc>
+                          <a:spcPct val="100000"/>
+                        </a:lnSpc>
+                        <a:spcBef>
+                          <a:spcPts val="0"/>
+                        </a:spcBef>
+                        <a:spcAft>
+                          <a:spcPts val="0"/>
+                        </a:spcAft>
+                        <a:buClrTx/>
+                        <a:buSzTx/>
+                        <a:buFontTx/>
+                        <a:buNone/>
+                        <a:tabLst/>
+                        <a:defRPr/>
+                      </a:pPr>
+                      <a:r>
+                        <a:rPr lang="zh-CN" altLang="en-US" dirty="0" smtClean="0"/>
+                        <a:t>是</a:t>
+                      </a:r>
+                      <a:endParaRPr lang="en-US" dirty="0" smtClean="0"/>
+                    </a:p>
+                  </a:txBody>
+                  <a:tcPr/>
+                </a:tc>
+                <a:tc>
+                  <a:txBody>
+                    <a:bodyPr/>
+                    <a:lstStyle/>
+                    <a:p>
+                      <a:pPr algn="ctr"/>
+                      <a:r>
+                        <a:rPr lang="en-US" dirty="0" smtClean="0"/>
+                        <a:t>N</a:t>
+                      </a:r>
+                      <a:endParaRPr lang="en-US" dirty="0"/>
+                    </a:p>
+                  </a:txBody>
+                  <a:tcPr/>
+                </a:tc>
+                <a:tc>
+                  <a:txBody>
+                    <a:bodyPr/>
+                    <a:lstStyle/>
+                    <a:p>
+                      <a:pPr algn="ctr"/>
+                      <a:r>
+                        <a:rPr lang="zh-CN" altLang="en-US" dirty="0" smtClean="0"/>
+                        <a:t>自增</a:t>
+                      </a:r>
+                      <a:endParaRPr lang="en-US" dirty="0"/>
                     </a:p>
                   </a:txBody>
                   <a:tcPr/>
@@ -4819,6 +5611,140 @@
                         <a:t>id</a:t>
                       </a:r>
                       <a:endParaRPr lang="en-US" dirty="0"/>
+                    </a:p>
+                  </a:txBody>
+                  <a:tcPr/>
+                </a:tc>
+              </a:tr>
+              <a:tr h="370840">
+                <a:tc>
+                  <a:txBody>
+                    <a:bodyPr/>
+                    <a:lstStyle/>
+                    <a:p>
+                      <a:pPr algn="ctr"/>
+                      <a:r>
+                        <a:rPr lang="en-US" sz="1800" b="0" dirty="0" smtClean="0"/>
+                        <a:t>status</a:t>
+                      </a:r>
+                      <a:endParaRPr lang="en-US" dirty="0"/>
+                    </a:p>
+                  </a:txBody>
+                  <a:tcPr/>
+                </a:tc>
+                <a:tc>
+                  <a:txBody>
+                    <a:bodyPr/>
+                    <a:lstStyle/>
+                    <a:p>
+                      <a:pPr algn="ctr"/>
+                      <a:r>
+                        <a:rPr lang="en-US" dirty="0" smtClean="0"/>
+                        <a:t>char</a:t>
+                      </a:r>
+                      <a:endParaRPr lang="en-US" dirty="0"/>
+                    </a:p>
+                  </a:txBody>
+                  <a:tcPr/>
+                </a:tc>
+                <a:tc>
+                  <a:txBody>
+                    <a:bodyPr/>
+                    <a:lstStyle/>
+                    <a:p>
+                      <a:pPr marL="0" marR="0" indent="0" algn="ctr" defTabSz="914400" rtl="0" eaLnBrk="1" fontAlgn="auto" latinLnBrk="0" hangingPunct="1">
+                        <a:lnSpc>
+                          <a:spcPct val="100000"/>
+                        </a:lnSpc>
+                        <a:spcBef>
+                          <a:spcPts val="0"/>
+                        </a:spcBef>
+                        <a:spcAft>
+                          <a:spcPts val="0"/>
+                        </a:spcAft>
+                        <a:buClrTx/>
+                        <a:buSzTx/>
+                        <a:buFontTx/>
+                        <a:buNone/>
+                        <a:tabLst/>
+                        <a:defRPr/>
+                      </a:pPr>
+                      <a:r>
+                        <a:rPr lang="en-US" dirty="0" smtClean="0"/>
+                        <a:t>2</a:t>
+                      </a:r>
+                    </a:p>
+                  </a:txBody>
+                  <a:tcPr/>
+                </a:tc>
+                <a:tc>
+                  <a:txBody>
+                    <a:bodyPr/>
+                    <a:lstStyle/>
+                    <a:p>
+                      <a:pPr algn="ctr"/>
+                      <a:endParaRPr lang="en-US" dirty="0"/>
+                    </a:p>
+                  </a:txBody>
+                  <a:tcPr/>
+                </a:tc>
+                <a:tc>
+                  <a:txBody>
+                    <a:bodyPr/>
+                    <a:lstStyle/>
+                    <a:p>
+                      <a:pPr marL="0" marR="0" indent="0" algn="ctr" defTabSz="914400" rtl="0" eaLnBrk="1" fontAlgn="auto" latinLnBrk="0" hangingPunct="1">
+                        <a:lnSpc>
+                          <a:spcPct val="100000"/>
+                        </a:lnSpc>
+                        <a:spcBef>
+                          <a:spcPts val="0"/>
+                        </a:spcBef>
+                        <a:spcAft>
+                          <a:spcPts val="0"/>
+                        </a:spcAft>
+                        <a:buClrTx/>
+                        <a:buSzTx/>
+                        <a:buFontTx/>
+                        <a:buNone/>
+                        <a:tabLst/>
+                        <a:defRPr/>
+                      </a:pPr>
+                      <a:r>
+                        <a:rPr lang="en-US" dirty="0" smtClean="0"/>
+                        <a:t>N</a:t>
+                      </a:r>
+                    </a:p>
+                  </a:txBody>
+                  <a:tcPr/>
+                </a:tc>
+                <a:tc>
+                  <a:txBody>
+                    <a:bodyPr/>
+                    <a:lstStyle/>
+                    <a:p>
+                      <a:pPr marL="0" marR="0" indent="0" algn="ctr" defTabSz="914400" rtl="0" eaLnBrk="1" fontAlgn="auto" latinLnBrk="0" hangingPunct="1">
+                        <a:lnSpc>
+                          <a:spcPct val="100000"/>
+                        </a:lnSpc>
+                        <a:spcBef>
+                          <a:spcPts val="0"/>
+                        </a:spcBef>
+                        <a:spcAft>
+                          <a:spcPts val="0"/>
+                        </a:spcAft>
+                        <a:buClrTx/>
+                        <a:buSzTx/>
+                        <a:buFontTx/>
+                        <a:buNone/>
+                        <a:tabLst/>
+                        <a:defRPr/>
+                      </a:pPr>
+                      <a:r>
+                        <a:rPr lang="zh-CN" altLang="en-US" dirty="0" smtClean="0"/>
+                        <a:t>推送与否</a:t>
+                      </a:r>
+                      <a:endParaRPr lang="en-US" dirty="0" smtClean="0"/>
                     </a:p>
                   </a:txBody>
                   <a:tcPr/>
@@ -4867,14 +5793,14 @@
           <p:nvPr>
             <p:extLst>
               <p:ext uri="{D42A27DB-BD31-4B8C-83A1-F6EECF244321}">
-                <p14:modId xmlns:p14="http://schemas.microsoft.com/office/powerpoint/2010/main" val="657258222"/>
+                <p14:modId xmlns:p14="http://schemas.microsoft.com/office/powerpoint/2010/main" val="778745581"/>
               </p:ext>
             </p:extLst>
           </p:nvPr>
         </p:nvGraphicFramePr>
         <p:xfrm>
           <a:off x="1831584" y="2066794"/>
-          <a:ext cx="8128002" cy="1981200"/>
+          <a:ext cx="8128002" cy="2722880"/>
         </p:xfrm>
         <a:graphic>
           <a:graphicData uri="http://schemas.openxmlformats.org/drawingml/2006/table">
@@ -5177,8 +6103,8 @@
                     <a:p>
                       <a:pPr algn="ctr"/>
                       <a:r>
-                        <a:rPr lang="en-US" altLang="zh-CN" dirty="0" smtClean="0"/>
-                        <a:t>content</a:t>
+                        <a:rPr lang="en-US" dirty="0" err="1" smtClean="0"/>
+                        <a:t>content_src</a:t>
                       </a:r>
                       <a:endParaRPr lang="en-US" dirty="0"/>
                     </a:p>
@@ -5193,7 +6119,7 @@
                       <a:pPr algn="ctr"/>
                       <a:r>
                         <a:rPr lang="en-US" dirty="0" smtClean="0"/>
-                        <a:t>varchar</a:t>
+                        <a:t>char</a:t>
                       </a:r>
                       <a:endParaRPr lang="en-US" dirty="0"/>
                     </a:p>
@@ -5208,92 +6134,8 @@
                       <a:pPr algn="ctr"/>
                       <a:r>
                         <a:rPr lang="en-US" dirty="0" smtClean="0"/>
-                        <a:t>500</a:t>
-                      </a:r>
-                      <a:endParaRPr lang="en-US" dirty="0"/>
-                    </a:p>
-                  </a:txBody>
-                  <a:tcPr/>
-                </a:tc>
-                <a:tc>
-                  <a:txBody>
-                    <a:bodyPr/>
-                    <a:lstStyle/>
-                    <a:p>
-                      <a:pPr algn="ctr"/>
-                      <a:endParaRPr lang="en-US" dirty="0"/>
-                    </a:p>
-                  </a:txBody>
-                  <a:tcPr/>
-                </a:tc>
-                <a:tc>
-                  <a:txBody>
-                    <a:bodyPr/>
-                    <a:lstStyle/>
-                    <a:p>
-                      <a:pPr algn="ctr"/>
-                      <a:r>
-                        <a:rPr lang="en-US" dirty="0" smtClean="0"/>
-                        <a:t>N</a:t>
-                      </a:r>
-                      <a:endParaRPr lang="en-US" dirty="0"/>
-                    </a:p>
-                  </a:txBody>
-                  <a:tcPr/>
-                </a:tc>
-                <a:tc>
-                  <a:txBody>
-                    <a:bodyPr/>
-                    <a:lstStyle/>
-                    <a:p>
-                      <a:pPr algn="ctr"/>
-                      <a:r>
-                        <a:rPr lang="zh-CN" altLang="en-US" dirty="0" smtClean="0"/>
-                        <a:t>信息</a:t>
-                      </a:r>
-                      <a:endParaRPr lang="en-US" dirty="0"/>
-                    </a:p>
-                  </a:txBody>
-                  <a:tcPr/>
-                </a:tc>
-              </a:tr>
-              <a:tr h="370840">
-                <a:tc>
-                  <a:txBody>
-                    <a:bodyPr/>
-                    <a:lstStyle/>
-                    <a:p>
-                      <a:pPr algn="ctr"/>
-                      <a:r>
-                        <a:rPr lang="en-US" dirty="0" err="1" smtClean="0"/>
-                        <a:t>post_time</a:t>
-                      </a:r>
-                      <a:endParaRPr lang="en-US" dirty="0"/>
-                    </a:p>
-                  </a:txBody>
-                  <a:tcPr/>
-                </a:tc>
-                <a:tc>
-                  <a:txBody>
-                    <a:bodyPr/>
-                    <a:lstStyle/>
-                    <a:p>
-                      <a:pPr algn="ctr"/>
-                      <a:r>
-                        <a:rPr lang="en-US" dirty="0" smtClean="0"/>
-                        <a:t>date</a:t>
-                      </a:r>
-                      <a:endParaRPr lang="en-US" dirty="0"/>
-                    </a:p>
-                  </a:txBody>
-                  <a:tcPr/>
-                </a:tc>
-                <a:tc>
-                  <a:txBody>
-                    <a:bodyPr/>
-                    <a:lstStyle/>
-                    <a:p>
-                      <a:pPr algn="ctr"/>
+                        <a:t>10</a:t>
+                      </a:r>
                       <a:endParaRPr lang="en-US" dirty="0"/>
                     </a:p>
                   </a:txBody>
@@ -5347,7 +6189,315 @@
                     <a:lstStyle/>
                     <a:p>
                       <a:pPr algn="ctr"/>
-                      <a:endParaRPr lang="en-US" dirty="0"/>
+                      <a:r>
+                        <a:rPr lang="zh-CN" altLang="en-US" dirty="0" smtClean="0"/>
+                        <a:t>推送源</a:t>
+                      </a:r>
+                      <a:endParaRPr lang="en-US" dirty="0"/>
+                    </a:p>
+                  </a:txBody>
+                  <a:tcPr/>
+                </a:tc>
+              </a:tr>
+              <a:tr h="370840">
+                <a:tc>
+                  <a:txBody>
+                    <a:bodyPr/>
+                    <a:lstStyle/>
+                    <a:p>
+                      <a:pPr algn="ctr"/>
+                      <a:r>
+                        <a:rPr lang="en-US" altLang="zh-CN" dirty="0" smtClean="0"/>
+                        <a:t>content</a:t>
+                      </a:r>
+                      <a:endParaRPr lang="en-US" dirty="0"/>
+                    </a:p>
+                  </a:txBody>
+                  <a:tcPr/>
+                </a:tc>
+                <a:tc>
+                  <a:txBody>
+                    <a:bodyPr/>
+                    <a:lstStyle/>
+                    <a:p>
+                      <a:pPr algn="ctr"/>
+                      <a:r>
+                        <a:rPr lang="en-US" dirty="0" smtClean="0"/>
+                        <a:t>varchar</a:t>
+                      </a:r>
+                      <a:endParaRPr lang="en-US" dirty="0"/>
+                    </a:p>
+                  </a:txBody>
+                  <a:tcPr/>
+                </a:tc>
+                <a:tc>
+                  <a:txBody>
+                    <a:bodyPr/>
+                    <a:lstStyle/>
+                    <a:p>
+                      <a:pPr algn="ctr"/>
+                      <a:r>
+                        <a:rPr lang="en-US" dirty="0" smtClean="0"/>
+                        <a:t>500</a:t>
+                      </a:r>
+                      <a:endParaRPr lang="en-US" dirty="0"/>
+                    </a:p>
+                  </a:txBody>
+                  <a:tcPr/>
+                </a:tc>
+                <a:tc>
+                  <a:txBody>
+                    <a:bodyPr/>
+                    <a:lstStyle/>
+                    <a:p>
+                      <a:pPr algn="ctr"/>
+                      <a:endParaRPr lang="en-US" dirty="0"/>
+                    </a:p>
+                  </a:txBody>
+                  <a:tcPr/>
+                </a:tc>
+                <a:tc>
+                  <a:txBody>
+                    <a:bodyPr/>
+                    <a:lstStyle/>
+                    <a:p>
+                      <a:pPr algn="ctr"/>
+                      <a:r>
+                        <a:rPr lang="en-US" dirty="0" smtClean="0"/>
+                        <a:t>N</a:t>
+                      </a:r>
+                      <a:endParaRPr lang="en-US" dirty="0"/>
+                    </a:p>
+                  </a:txBody>
+                  <a:tcPr/>
+                </a:tc>
+                <a:tc>
+                  <a:txBody>
+                    <a:bodyPr/>
+                    <a:lstStyle/>
+                    <a:p>
+                      <a:pPr algn="ctr"/>
+                      <a:r>
+                        <a:rPr lang="zh-CN" altLang="en-US" dirty="0" smtClean="0"/>
+                        <a:t>信息</a:t>
+                      </a:r>
+                      <a:endParaRPr lang="en-US" dirty="0"/>
+                    </a:p>
+                  </a:txBody>
+                  <a:tcPr/>
+                </a:tc>
+              </a:tr>
+              <a:tr h="370840">
+                <a:tc>
+                  <a:txBody>
+                    <a:bodyPr/>
+                    <a:lstStyle/>
+                    <a:p>
+                      <a:pPr algn="ctr"/>
+                      <a:r>
+                        <a:rPr lang="en-US" dirty="0" err="1" smtClean="0"/>
+                        <a:t>post_time</a:t>
+                      </a:r>
+                      <a:endParaRPr lang="en-US" dirty="0"/>
+                    </a:p>
+                  </a:txBody>
+                  <a:tcPr/>
+                </a:tc>
+                <a:tc>
+                  <a:txBody>
+                    <a:bodyPr/>
+                    <a:lstStyle/>
+                    <a:p>
+                      <a:pPr algn="ctr"/>
+                      <a:r>
+                        <a:rPr lang="en-US" dirty="0" smtClean="0"/>
+                        <a:t>date</a:t>
+                      </a:r>
+                      <a:endParaRPr lang="en-US" dirty="0"/>
+                    </a:p>
+                  </a:txBody>
+                  <a:tcPr/>
+                </a:tc>
+                <a:tc>
+                  <a:txBody>
+                    <a:bodyPr/>
+                    <a:lstStyle/>
+                    <a:p>
+                      <a:pPr algn="ctr"/>
+                      <a:endParaRPr lang="en-US" dirty="0"/>
+                    </a:p>
+                  </a:txBody>
+                  <a:tcPr/>
+                </a:tc>
+                <a:tc>
+                  <a:txBody>
+                    <a:bodyPr/>
+                    <a:lstStyle/>
+                    <a:p>
+                      <a:pPr marL="0" marR="0" indent="0" algn="ctr" defTabSz="914400" rtl="0" eaLnBrk="1" fontAlgn="auto" latinLnBrk="0" hangingPunct="1">
+                        <a:lnSpc>
+                          <a:spcPct val="100000"/>
+                        </a:lnSpc>
+                        <a:spcBef>
+                          <a:spcPts val="0"/>
+                        </a:spcBef>
+                        <a:spcAft>
+                          <a:spcPts val="0"/>
+                        </a:spcAft>
+                        <a:buClrTx/>
+                        <a:buSzTx/>
+                        <a:buFontTx/>
+                        <a:buNone/>
+                        <a:tabLst/>
+                        <a:defRPr/>
+                      </a:pPr>
+                      <a:endParaRPr lang="en-US" dirty="0" smtClean="0"/>
+                    </a:p>
+                  </a:txBody>
+                  <a:tcPr/>
+                </a:tc>
+                <a:tc>
+                  <a:txBody>
+                    <a:bodyPr/>
+                    <a:lstStyle/>
+                    <a:p>
+                      <a:pPr algn="ctr"/>
+                      <a:r>
+                        <a:rPr lang="en-US" dirty="0" smtClean="0"/>
+                        <a:t>N</a:t>
+                      </a:r>
+                      <a:endParaRPr lang="en-US" dirty="0"/>
+                    </a:p>
+                  </a:txBody>
+                  <a:tcPr/>
+                </a:tc>
+                <a:tc>
+                  <a:txBody>
+                    <a:bodyPr/>
+                    <a:lstStyle/>
+                    <a:p>
+                      <a:pPr algn="ctr"/>
+                      <a:r>
+                        <a:rPr lang="zh-CN" altLang="en-US" dirty="0" smtClean="0"/>
+                        <a:t>推送时间</a:t>
+                      </a:r>
+                      <a:endParaRPr lang="en-US" dirty="0"/>
+                    </a:p>
+                  </a:txBody>
+                  <a:tcPr/>
+                </a:tc>
+              </a:tr>
+              <a:tr h="370840">
+                <a:tc>
+                  <a:txBody>
+                    <a:bodyPr/>
+                    <a:lstStyle/>
+                    <a:p>
+                      <a:pPr algn="ctr"/>
+                      <a:r>
+                        <a:rPr lang="en-US" altLang="zh-CN" dirty="0" smtClean="0"/>
+                        <a:t>deadline</a:t>
+                      </a:r>
+                      <a:endParaRPr lang="en-US" dirty="0"/>
+                    </a:p>
+                  </a:txBody>
+                  <a:tcPr/>
+                </a:tc>
+                <a:tc>
+                  <a:txBody>
+                    <a:bodyPr/>
+                    <a:lstStyle/>
+                    <a:p>
+                      <a:pPr algn="ctr"/>
+                      <a:r>
+                        <a:rPr lang="en-US" dirty="0" smtClean="0"/>
+                        <a:t>date</a:t>
+                      </a:r>
+                      <a:endParaRPr lang="en-US" dirty="0"/>
+                    </a:p>
+                  </a:txBody>
+                  <a:tcPr/>
+                </a:tc>
+                <a:tc>
+                  <a:txBody>
+                    <a:bodyPr/>
+                    <a:lstStyle/>
+                    <a:p>
+                      <a:pPr algn="ctr"/>
+                      <a:endParaRPr lang="en-US" dirty="0"/>
+                    </a:p>
+                  </a:txBody>
+                  <a:tcPr/>
+                </a:tc>
+                <a:tc>
+                  <a:txBody>
+                    <a:bodyPr/>
+                    <a:lstStyle/>
+                    <a:p>
+                      <a:pPr marL="0" marR="0" indent="0" algn="ctr" defTabSz="914400" rtl="0" eaLnBrk="1" fontAlgn="auto" latinLnBrk="0" hangingPunct="1">
+                        <a:lnSpc>
+                          <a:spcPct val="100000"/>
+                        </a:lnSpc>
+                        <a:spcBef>
+                          <a:spcPts val="0"/>
+                        </a:spcBef>
+                        <a:spcAft>
+                          <a:spcPts val="0"/>
+                        </a:spcAft>
+                        <a:buClrTx/>
+                        <a:buSzTx/>
+                        <a:buFontTx/>
+                        <a:buNone/>
+                        <a:tabLst/>
+                        <a:defRPr/>
+                      </a:pPr>
+                      <a:endParaRPr lang="en-US" dirty="0" smtClean="0"/>
+                    </a:p>
+                  </a:txBody>
+                  <a:tcPr/>
+                </a:tc>
+                <a:tc>
+                  <a:txBody>
+                    <a:bodyPr/>
+                    <a:lstStyle/>
+                    <a:p>
+                      <a:pPr algn="ctr"/>
+                      <a:r>
+                        <a:rPr lang="en-US" dirty="0" smtClean="0"/>
+                        <a:t>N</a:t>
+                      </a:r>
+                      <a:endParaRPr lang="en-US" dirty="0"/>
+                    </a:p>
+                  </a:txBody>
+                  <a:tcPr/>
+                </a:tc>
+                <a:tc>
+                  <a:txBody>
+                    <a:bodyPr/>
+                    <a:lstStyle/>
+                    <a:p>
+                      <a:pPr marL="0" marR="0" indent="0" algn="ctr" defTabSz="914400" rtl="0" eaLnBrk="1" fontAlgn="auto" latinLnBrk="0" hangingPunct="1">
+                        <a:lnSpc>
+                          <a:spcPct val="100000"/>
+                        </a:lnSpc>
+                        <a:spcBef>
+                          <a:spcPts val="0"/>
+                        </a:spcBef>
+                        <a:spcAft>
+                          <a:spcPts val="0"/>
+                        </a:spcAft>
+                        <a:buClrTx/>
+                        <a:buSzTx/>
+                        <a:buFontTx/>
+                        <a:buNone/>
+                        <a:tabLst/>
+                        <a:defRPr/>
+                      </a:pPr>
+                      <a:r>
+                        <a:rPr lang="zh-CN" altLang="en-US" dirty="0" smtClean="0"/>
+                        <a:t>截止时间</a:t>
+                      </a:r>
+                      <a:endParaRPr lang="en-US" dirty="0" smtClean="0"/>
                     </a:p>
                   </a:txBody>
                   <a:tcPr/>
@@ -5904,54 +7054,54 @@
 </file>
 
 <file path=ppt/theme/theme1.xml><?xml version="1.0" encoding="utf-8"?>
-<a:theme xmlns:a="http://schemas.openxmlformats.org/drawingml/2006/main" name="Office Theme">
+<a:theme xmlns:a="http://schemas.openxmlformats.org/drawingml/2006/main" name="Retrospect">
   <a:themeElements>
-    <a:clrScheme name="Office">
+    <a:clrScheme name="Retrospect">
       <a:dk1>
-        <a:sysClr val="windowText" lastClr="000000"/>
+        <a:srgbClr val="000000"/>
       </a:dk1>
       <a:lt1>
         <a:sysClr val="window" lastClr="FFFFFF"/>
       </a:lt1>
       <a:dk2>
-        <a:srgbClr val="44546A"/>
+        <a:srgbClr val="637052"/>
       </a:dk2>
       <a:lt2>
-        <a:srgbClr val="E7E6E6"/>
+        <a:srgbClr val="CCDDEA"/>
       </a:lt2>
       <a:accent1>
-        <a:srgbClr val="4472C4"/>
+        <a:srgbClr val="E48312"/>
       </a:accent1>
       <a:accent2>
-        <a:srgbClr val="ED7D31"/>
+        <a:srgbClr val="BD582C"/>
       </a:accent2>
       <a:accent3>
-        <a:srgbClr val="A5A5A5"/>
+        <a:srgbClr val="865640"/>
       </a:accent3>
       <a:accent4>
-        <a:srgbClr val="FFC000"/>
+        <a:srgbClr val="9B8357"/>
       </a:accent4>
       <a:accent5>
-        <a:srgbClr val="5B9BD5"/>
+        <a:srgbClr val="C2BC80"/>
       </a:accent5>
       <a:accent6>
-        <a:srgbClr val="70AD47"/>
+        <a:srgbClr val="94A088"/>
       </a:accent6>
       <a:hlink>
-        <a:srgbClr val="0563C1"/>
+        <a:srgbClr val="2998E3"/>
       </a:hlink>
       <a:folHlink>
-        <a:srgbClr val="954F72"/>
+        <a:srgbClr val="8C8C8C"/>
       </a:folHlink>
     </a:clrScheme>
-    <a:fontScheme name="Office">
+    <a:fontScheme name="Retrospect">
       <a:majorFont>
         <a:latin typeface="Calibri Light" panose="020F0302020204030204"/>
         <a:ea typeface=""/>
         <a:cs typeface=""/>
-        <a:font script="Jpan" typeface="Yu Gothic Light"/>
+        <a:font script="Jpan" typeface="ＭＳ Ｐゴシック"/>
         <a:font script="Hang" typeface="맑은 고딕"/>
-        <a:font script="Hans" typeface="DengXian Light"/>
+        <a:font script="Hans" typeface="宋体"/>
         <a:font script="Hant" typeface="新細明體"/>
         <a:font script="Arab" typeface="Times New Roman"/>
         <a:font script="Hebr" typeface="Times New Roman"/>
@@ -5984,9 +7134,9 @@
         <a:latin typeface="Calibri" panose="020F0502020204030204"/>
         <a:ea typeface=""/>
         <a:cs typeface=""/>
-        <a:font script="Jpan" typeface="Yu Gothic"/>
+        <a:font script="Jpan" typeface="ＭＳ Ｐゴシック"/>
         <a:font script="Hang" typeface="맑은 고딕"/>
-        <a:font script="Hans" typeface="DengXian"/>
+        <a:font script="Hans" typeface="宋体"/>
         <a:font script="Hant" typeface="新細明體"/>
         <a:font script="Arab" typeface="Arial"/>
         <a:font script="Hebr" typeface="Arial"/>
@@ -6016,7 +7166,7 @@
         <a:font script="Geor" typeface="Sylfaen"/>
       </a:minorFont>
     </a:fontScheme>
-    <a:fmtScheme name="Office">
+    <a:fmtScheme name="Retrospect">
       <a:fillStyleLst>
         <a:solidFill>
           <a:schemeClr val="phClr"/>
@@ -6025,76 +7175,81 @@
           <a:gsLst>
             <a:gs pos="0">
               <a:schemeClr val="phClr">
-                <a:lumMod val="110000"/>
-                <a:satMod val="105000"/>
-                <a:tint val="67000"/>
+                <a:tint val="65000"/>
+                <a:shade val="92000"/>
+                <a:satMod val="130000"/>
               </a:schemeClr>
             </a:gs>
-            <a:gs pos="50000">
+            <a:gs pos="45000">
               <a:schemeClr val="phClr">
-                <a:lumMod val="105000"/>
-                <a:satMod val="103000"/>
-                <a:tint val="73000"/>
+                <a:tint val="60000"/>
+                <a:shade val="99000"/>
+                <a:satMod val="120000"/>
               </a:schemeClr>
             </a:gs>
             <a:gs pos="100000">
               <a:schemeClr val="phClr">
-                <a:lumMod val="105000"/>
-                <a:satMod val="109000"/>
-                <a:tint val="81000"/>
+                <a:tint val="55000"/>
+                <a:satMod val="140000"/>
               </a:schemeClr>
             </a:gs>
           </a:gsLst>
-          <a:lin ang="5400000" scaled="0"/>
+          <a:path path="circle">
+            <a:fillToRect l="100000" t="100000" r="100000" b="100000"/>
+          </a:path>
         </a:gradFill>
         <a:gradFill rotWithShape="1">
           <a:gsLst>
             <a:gs pos="0">
               <a:schemeClr val="phClr">
-                <a:satMod val="103000"/>
-                <a:lumMod val="102000"/>
-                <a:tint val="94000"/>
+                <a:shade val="85000"/>
+                <a:satMod val="130000"/>
               </a:schemeClr>
             </a:gs>
-            <a:gs pos="50000">
+            <a:gs pos="34000">
               <a:schemeClr val="phClr">
-                <a:satMod val="110000"/>
-                <a:lumMod val="100000"/>
-                <a:shade val="100000"/>
+                <a:shade val="87000"/>
+                <a:satMod val="125000"/>
+              </a:schemeClr>
+            </a:gs>
+            <a:gs pos="70000">
+              <a:schemeClr val="phClr">
+                <a:tint val="100000"/>
+                <a:shade val="90000"/>
+                <a:satMod val="130000"/>
               </a:schemeClr>
             </a:gs>
             <a:gs pos="100000">
               <a:schemeClr val="phClr">
-                <a:lumMod val="99000"/>
-                <a:satMod val="120000"/>
-                <a:shade val="78000"/>
+                <a:tint val="100000"/>
+                <a:shade val="100000"/>
+                <a:satMod val="110000"/>
               </a:schemeClr>
             </a:gs>
           </a:gsLst>
-          <a:lin ang="5400000" scaled="0"/>
+          <a:path path="circle">
+            <a:fillToRect l="100000" t="100000" r="100000" b="100000"/>
+          </a:path>
         </a:gradFill>
       </a:fillStyleLst>
       <a:lnStyleLst>
-        <a:ln w="6350" cap="flat" cmpd="sng" algn="ctr">
-          <a:solidFill>
-            <a:schemeClr val="phClr"/>
-          </a:solidFill>
-          <a:prstDash val="solid"/>
-          <a:miter lim="800000"/>
-        </a:ln>
         <a:ln w="12700" cap="flat" cmpd="sng" algn="ctr">
           <a:solidFill>
             <a:schemeClr val="phClr"/>
           </a:solidFill>
           <a:prstDash val="solid"/>
-          <a:miter lim="800000"/>
         </a:ln>
-        <a:ln w="19050" cap="flat" cmpd="sng" algn="ctr">
+        <a:ln w="15875" cap="flat" cmpd="sng" algn="ctr">
           <a:solidFill>
             <a:schemeClr val="phClr"/>
           </a:solidFill>
           <a:prstDash val="solid"/>
-          <a:miter lim="800000"/>
+        </a:ln>
+        <a:ln w="25400" cap="flat" cmpd="sng" algn="ctr">
+          <a:solidFill>
+            <a:schemeClr val="phClr"/>
+          </a:solidFill>
+          <a:prstDash val="solid"/>
         </a:ln>
       </a:lnStyleLst>
       <a:effectStyleLst>
@@ -6102,16 +7257,33 @@
           <a:effectLst/>
         </a:effectStyle>
         <a:effectStyle>
-          <a:effectLst/>
+          <a:effectLst>
+            <a:outerShdw blurRad="38100" dist="25400" dir="2700000" algn="br" rotWithShape="0">
+              <a:srgbClr val="000000">
+                <a:alpha val="60000"/>
+              </a:srgbClr>
+            </a:outerShdw>
+          </a:effectLst>
         </a:effectStyle>
         <a:effectStyle>
           <a:effectLst>
-            <a:outerShdw blurRad="57150" dist="19050" dir="5400000" algn="ctr" rotWithShape="0">
+            <a:outerShdw blurRad="44450" dist="25400" dir="2700000" algn="br" rotWithShape="0">
               <a:srgbClr val="000000">
-                <a:alpha val="63000"/>
+                <a:alpha val="60000"/>
               </a:srgbClr>
             </a:outerShdw>
           </a:effectLst>
+          <a:scene3d>
+            <a:camera prst="orthographicFront">
+              <a:rot lat="0" lon="0" rev="0"/>
+            </a:camera>
+            <a:lightRig rig="threePt" dir="t">
+              <a:rot lat="0" lon="0" rev="19800000"/>
+            </a:lightRig>
+          </a:scene3d>
+          <a:sp3d prstMaterial="flat">
+            <a:bevelT w="25400" h="31750"/>
+          </a:sp3d>
         </a:effectStyle>
       </a:effectStyleLst>
       <a:bgFillStyleLst>
@@ -6120,36 +7292,36 @@
         </a:solidFill>
         <a:solidFill>
           <a:schemeClr val="phClr">
-            <a:tint val="95000"/>
-            <a:satMod val="170000"/>
+            <a:tint val="90000"/>
+            <a:shade val="97000"/>
+            <a:satMod val="130000"/>
           </a:schemeClr>
         </a:solidFill>
         <a:gradFill rotWithShape="1">
           <a:gsLst>
             <a:gs pos="0">
               <a:schemeClr val="phClr">
-                <a:tint val="93000"/>
-                <a:satMod val="150000"/>
-                <a:shade val="98000"/>
-                <a:lumMod val="102000"/>
+                <a:tint val="96000"/>
+                <a:shade val="99000"/>
+                <a:satMod val="140000"/>
               </a:schemeClr>
             </a:gs>
-            <a:gs pos="50000">
+            <a:gs pos="65000">
               <a:schemeClr val="phClr">
-                <a:tint val="98000"/>
+                <a:tint val="100000"/>
+                <a:shade val="80000"/>
                 <a:satMod val="130000"/>
-                <a:shade val="90000"/>
-                <a:lumMod val="103000"/>
               </a:schemeClr>
             </a:gs>
             <a:gs pos="100000">
               <a:schemeClr val="phClr">
-                <a:shade val="63000"/>
+                <a:tint val="100000"/>
+                <a:shade val="48000"/>
                 <a:satMod val="120000"/>
               </a:schemeClr>
             </a:gs>
           </a:gsLst>
-          <a:lin ang="5400000" scaled="0"/>
+          <a:lin ang="16200000" scaled="0"/>
         </a:gradFill>
       </a:bgFillStyleLst>
     </a:fmtScheme>
@@ -6158,7 +7330,7 @@
   <a:extraClrSchemeLst/>
   <a:extLst>
     <a:ext uri="{05A4C25C-085E-4340-85A3-A5531E510DB2}">
-      <thm15:themeFamily xmlns:thm15="http://schemas.microsoft.com/office/thememl/2012/main" name="Office Theme" id="{62F939B6-93AF-4DB8-9C6B-D6C7DFDC589F}" vid="{4A3C46E8-61CC-4603-A589-7422A47A8E4A}"/>
+      <thm15:themeFamily xmlns:thm15="http://schemas.microsoft.com/office/thememl/2012/main" name="Retrospect" id="{5F128B03-DCCA-4EEB-AB3B-CF2899314A46}" vid="{3F1AAB62-24C6-49D2-8E01-B56FAC9A3DCD}"/>
     </a:ext>
   </a:extLst>
 </a:theme>
